--- a/GA_application/GA_application/PresentationGA.pptx
+++ b/GA_application/GA_application/PresentationGA.pptx
@@ -5,10 +5,13 @@
     <p:sldMasterId id="2147483648" r:id="rId1"/>
   </p:sldMasterIdLst>
   <p:sldIdLst>
-    <p:sldId id="256" r:id="rId2"/>
-    <p:sldId id="257" r:id="rId3"/>
-    <p:sldId id="258" r:id="rId4"/>
-    <p:sldId id="259" r:id="rId5"/>
+    <p:sldId id="262" r:id="rId2"/>
+    <p:sldId id="256" r:id="rId3"/>
+    <p:sldId id="257" r:id="rId4"/>
+    <p:sldId id="258" r:id="rId5"/>
+    <p:sldId id="259" r:id="rId6"/>
+    <p:sldId id="260" r:id="rId7"/>
+    <p:sldId id="261" r:id="rId8"/>
   </p:sldIdLst>
   <p:sldSz cx="12192000" cy="6858000"/>
   <p:notesSz cx="6858000" cy="9144000"/>
@@ -2969,13 +2972,329 @@
       </p:grpSpPr>
       <p:sp>
         <p:nvSpPr>
+          <p:cNvPr id="2" name="Title 1"/>
+          <p:cNvSpPr>
+            <a:spLocks noGrp="1"/>
+          </p:cNvSpPr>
+          <p:nvPr>
+            <p:ph type="ctrTitle"/>
+          </p:nvPr>
+        </p:nvSpPr>
+        <p:spPr/>
+        <p:txBody>
+          <a:bodyPr/>
+          <a:lstStyle/>
+          <a:p>
+            <a:r>
+              <a:rPr lang="en-US" dirty="0" smtClean="0"/>
+              <a:t>Genetic Algorithm</a:t>
+            </a:r>
+            <a:endParaRPr lang="en-GB" dirty="0"/>
+          </a:p>
+        </p:txBody>
+      </p:sp>
+      <p:pic>
+        <p:nvPicPr>
+          <p:cNvPr id="7170" name="Picture 2" descr="Image result for genetic algorithm"/>
+          <p:cNvPicPr>
+            <a:picLocks noChangeAspect="1" noChangeArrowheads="1"/>
+          </p:cNvPicPr>
+          <p:nvPr/>
+        </p:nvPicPr>
+        <p:blipFill>
+          <a:blip r:embed="rId2">
+            <a:extLst>
+              <a:ext uri="{28A0092B-C50C-407E-A947-70E740481C1C}">
+                <a14:useLocalDpi xmlns:a14="http://schemas.microsoft.com/office/drawing/2010/main" val="0"/>
+              </a:ext>
+            </a:extLst>
+          </a:blip>
+          <a:srcRect/>
+          <a:stretch>
+            <a:fillRect/>
+          </a:stretch>
+        </p:blipFill>
+        <p:spPr bwMode="auto">
+          <a:xfrm>
+            <a:off x="4979203" y="446853"/>
+            <a:ext cx="2233594" cy="2233594"/>
+          </a:xfrm>
+          <a:prstGeom prst="rect">
+            <a:avLst/>
+          </a:prstGeom>
+          <a:noFill/>
+          <a:extLst>
+            <a:ext uri="{909E8E84-426E-40DD-AFC4-6F175D3DCCD1}">
+              <a14:hiddenFill xmlns:a14="http://schemas.microsoft.com/office/drawing/2010/main">
+                <a:solidFill>
+                  <a:srgbClr val="FFFFFF"/>
+                </a:solidFill>
+              </a14:hiddenFill>
+            </a:ext>
+          </a:extLst>
+        </p:spPr>
+      </p:pic>
+      <p:sp>
+        <p:nvSpPr>
+          <p:cNvPr id="8" name="Title 1"/>
+          <p:cNvSpPr txBox="1">
+            <a:spLocks/>
+          </p:cNvSpPr>
+          <p:nvPr/>
+        </p:nvSpPr>
+        <p:spPr>
+          <a:xfrm>
+            <a:off x="4490123" y="3745834"/>
+            <a:ext cx="1605877" cy="439639"/>
+          </a:xfrm>
+          <a:prstGeom prst="rect">
+            <a:avLst/>
+          </a:prstGeom>
+        </p:spPr>
+        <p:txBody>
+          <a:bodyPr vert="horz" lIns="91440" tIns="45720" rIns="91440" bIns="45720" rtlCol="0" anchor="ctr">
+            <a:normAutofit fontScale="77500" lnSpcReduction="20000"/>
+          </a:bodyPr>
+          <a:lstStyle>
+            <a:lvl1pPr algn="l" defTabSz="914400" rtl="0" eaLnBrk="1" latinLnBrk="0" hangingPunct="1">
+              <a:lnSpc>
+                <a:spcPct val="90000"/>
+              </a:lnSpc>
+              <a:spcBef>
+                <a:spcPct val="0"/>
+              </a:spcBef>
+              <a:buNone/>
+              <a:defRPr sz="4400" kern="1200">
+                <a:solidFill>
+                  <a:schemeClr val="tx1"/>
+                </a:solidFill>
+                <a:latin typeface="+mj-lt"/>
+                <a:ea typeface="+mj-ea"/>
+                <a:cs typeface="+mj-cs"/>
+              </a:defRPr>
+            </a:lvl1pPr>
+          </a:lstStyle>
+          <a:p>
+            <a:pPr algn="r"/>
+            <a:r>
+              <a:rPr lang="en-US" sz="2000" b="1" dirty="0" err="1" smtClean="0"/>
+              <a:t>Gaona</a:t>
+            </a:r>
+            <a:r>
+              <a:rPr lang="en-US" sz="2000" b="1" dirty="0" smtClean="0"/>
+              <a:t> </a:t>
+            </a:r>
+            <a:r>
+              <a:rPr lang="en-US" sz="2000" b="1" dirty="0" err="1" smtClean="0"/>
+              <a:t>Andr</a:t>
+            </a:r>
+            <a:r>
+              <a:rPr lang="es-EC" sz="2000" b="1" dirty="0" err="1" smtClean="0"/>
+              <a:t>és</a:t>
+            </a:r>
+            <a:r>
+              <a:rPr lang="es-EC" sz="2000" b="1" dirty="0"/>
+              <a:t> </a:t>
+            </a:r>
+            <a:r>
+              <a:rPr lang="es-EC" sz="2000" b="1" dirty="0" smtClean="0"/>
+              <a:t>   </a:t>
+            </a:r>
+          </a:p>
+          <a:p>
+            <a:pPr algn="r"/>
+            <a:r>
+              <a:rPr lang="es-EC" sz="2000" b="1" dirty="0" smtClean="0"/>
+              <a:t>Solarte Enrique</a:t>
+            </a:r>
+            <a:endParaRPr lang="en-GB" sz="2000" b="1" dirty="0"/>
+          </a:p>
+        </p:txBody>
+      </p:sp>
+      <p:grpSp>
+        <p:nvGrpSpPr>
+          <p:cNvPr id="4" name="Group 3"/>
+          <p:cNvGrpSpPr/>
+          <p:nvPr/>
+        </p:nvGrpSpPr>
+        <p:grpSpPr>
+          <a:xfrm>
+            <a:off x="6266796" y="3778855"/>
+            <a:ext cx="1047040" cy="331314"/>
+            <a:chOff x="10031972" y="4207607"/>
+            <a:chExt cx="1047040" cy="331314"/>
+          </a:xfrm>
+        </p:grpSpPr>
+        <p:pic>
+          <p:nvPicPr>
+            <p:cNvPr id="9" name="Picture 14" descr="Image result for Ecuador flag"/>
+            <p:cNvPicPr>
+              <a:picLocks noChangeAspect="1" noChangeArrowheads="1"/>
+            </p:cNvPicPr>
+            <p:nvPr/>
+          </p:nvPicPr>
+          <p:blipFill>
+            <a:blip r:embed="rId3" cstate="print">
+              <a:extLst>
+                <a:ext uri="{28A0092B-C50C-407E-A947-70E740481C1C}">
+                  <a14:useLocalDpi xmlns:a14="http://schemas.microsoft.com/office/drawing/2010/main" val="0"/>
+                </a:ext>
+              </a:extLst>
+            </a:blip>
+            <a:srcRect/>
+            <a:stretch>
+              <a:fillRect/>
+            </a:stretch>
+          </p:blipFill>
+          <p:spPr bwMode="auto">
+            <a:xfrm>
+              <a:off x="10031972" y="4207607"/>
+              <a:ext cx="496970" cy="331314"/>
+            </a:xfrm>
+            <a:prstGeom prst="rect">
+              <a:avLst/>
+            </a:prstGeom>
+            <a:noFill/>
+            <a:extLst>
+              <a:ext uri="{909E8E84-426E-40DD-AFC4-6F175D3DCCD1}">
+                <a14:hiddenFill xmlns:a14="http://schemas.microsoft.com/office/drawing/2010/main">
+                  <a:solidFill>
+                    <a:srgbClr val="FFFFFF"/>
+                  </a:solidFill>
+                </a14:hiddenFill>
+              </a:ext>
+            </a:extLst>
+          </p:spPr>
+        </p:pic>
+        <p:pic>
+          <p:nvPicPr>
+            <p:cNvPr id="10" name="Picture 16" descr="Image result for Taiwan"/>
+            <p:cNvPicPr>
+              <a:picLocks noChangeAspect="1" noChangeArrowheads="1"/>
+            </p:cNvPicPr>
+            <p:nvPr/>
+          </p:nvPicPr>
+          <p:blipFill>
+            <a:blip r:embed="rId4" cstate="print">
+              <a:extLst>
+                <a:ext uri="{28A0092B-C50C-407E-A947-70E740481C1C}">
+                  <a14:useLocalDpi xmlns:a14="http://schemas.microsoft.com/office/drawing/2010/main" val="0"/>
+                </a:ext>
+              </a:extLst>
+            </a:blip>
+            <a:srcRect/>
+            <a:stretch>
+              <a:fillRect/>
+            </a:stretch>
+          </p:blipFill>
+          <p:spPr bwMode="auto">
+            <a:xfrm>
+              <a:off x="10582661" y="4207607"/>
+              <a:ext cx="496351" cy="331314"/>
+            </a:xfrm>
+            <a:prstGeom prst="rect">
+              <a:avLst/>
+            </a:prstGeom>
+            <a:noFill/>
+            <a:extLst>
+              <a:ext uri="{909E8E84-426E-40DD-AFC4-6F175D3DCCD1}">
+                <a14:hiddenFill xmlns:a14="http://schemas.microsoft.com/office/drawing/2010/main">
+                  <a:solidFill>
+                    <a:srgbClr val="FFFFFF"/>
+                  </a:solidFill>
+                </a14:hiddenFill>
+              </a:ext>
+            </a:extLst>
+          </p:spPr>
+        </p:pic>
+      </p:grpSp>
+      <p:pic>
+        <p:nvPicPr>
+          <p:cNvPr id="7" name="Picture 2" descr="Image result for ITRI"/>
+          <p:cNvPicPr>
+            <a:picLocks noChangeAspect="1" noChangeArrowheads="1"/>
+          </p:cNvPicPr>
+          <p:nvPr/>
+        </p:nvPicPr>
+        <p:blipFill>
+          <a:blip r:embed="rId5" cstate="print">
+            <a:extLst>
+              <a:ext uri="{28A0092B-C50C-407E-A947-70E740481C1C}">
+                <a14:useLocalDpi xmlns:a14="http://schemas.microsoft.com/office/drawing/2010/main" val="0"/>
+              </a:ext>
+            </a:extLst>
+          </a:blip>
+          <a:srcRect/>
+          <a:stretch>
+            <a:fillRect/>
+          </a:stretch>
+        </p:blipFill>
+        <p:spPr bwMode="auto">
+          <a:xfrm>
+            <a:off x="4979203" y="4454365"/>
+            <a:ext cx="2471433" cy="784879"/>
+          </a:xfrm>
+          <a:prstGeom prst="rect">
+            <a:avLst/>
+          </a:prstGeom>
+          <a:noFill/>
+          <a:extLst>
+            <a:ext uri="{909E8E84-426E-40DD-AFC4-6F175D3DCCD1}">
+              <a14:hiddenFill xmlns:a14="http://schemas.microsoft.com/office/drawing/2010/main">
+                <a:solidFill>
+                  <a:srgbClr val="FFFFFF"/>
+                </a:solidFill>
+              </a14:hiddenFill>
+            </a:ext>
+          </a:extLst>
+        </p:spPr>
+      </p:pic>
+    </p:spTree>
+    <p:extLst>
+      <p:ext uri="{BB962C8B-B14F-4D97-AF65-F5344CB8AC3E}">
+        <p14:creationId xmlns:p14="http://schemas.microsoft.com/office/powerpoint/2010/main" val="3559149176"/>
+      </p:ext>
+    </p:extLst>
+  </p:cSld>
+  <p:clrMapOvr>
+    <a:masterClrMapping/>
+  </p:clrMapOvr>
+  <p:timing>
+    <p:tnLst>
+      <p:par>
+        <p:cTn id="1" dur="indefinite" restart="never" nodeType="tmRoot"/>
+      </p:par>
+    </p:tnLst>
+  </p:timing>
+</p:sld>
+</file>
+
+<file path=ppt/slides/slide2.xml><?xml version="1.0" encoding="utf-8"?>
+<p:sld xmlns:a="http://schemas.openxmlformats.org/drawingml/2006/main" xmlns:r="http://schemas.openxmlformats.org/officeDocument/2006/relationships" xmlns:p="http://schemas.openxmlformats.org/presentationml/2006/main">
+  <p:cSld>
+    <p:spTree>
+      <p:nvGrpSpPr>
+        <p:cNvPr id="1" name=""/>
+        <p:cNvGrpSpPr/>
+        <p:nvPr/>
+      </p:nvGrpSpPr>
+      <p:grpSpPr>
+        <a:xfrm>
+          <a:off x="0" y="0"/>
+          <a:ext cx="0" cy="0"/>
+          <a:chOff x="0" y="0"/>
+          <a:chExt cx="0" cy="0"/>
+        </a:xfrm>
+      </p:grpSpPr>
+      <p:sp>
+        <p:nvSpPr>
           <p:cNvPr id="4" name="TextBox 3"/>
           <p:cNvSpPr txBox="1"/>
           <p:nvPr/>
         </p:nvSpPr>
         <p:spPr>
           <a:xfrm>
-            <a:off x="2888923" y="618809"/>
+            <a:off x="2679105" y="262662"/>
             <a:ext cx="5371470" cy="830997"/>
           </a:xfrm>
           <a:prstGeom prst="rect">
@@ -3224,7 +3543,7 @@
         </p:blipFill>
         <p:spPr bwMode="auto">
           <a:xfrm>
-            <a:off x="5787703" y="4229277"/>
+            <a:off x="5775586" y="4003988"/>
             <a:ext cx="2736844" cy="2246916"/>
           </a:xfrm>
           <a:prstGeom prst="rect">
@@ -3437,7 +3756,7 @@
         </p:nvSpPr>
         <p:spPr>
           <a:xfrm>
-            <a:off x="8372147" y="5241674"/>
+            <a:off x="8397547" y="4692780"/>
             <a:ext cx="2886524" cy="1477328"/>
           </a:xfrm>
           <a:prstGeom prst="rect">
@@ -3583,7 +3902,7 @@
         </p:nvSpPr>
         <p:spPr>
           <a:xfrm>
-            <a:off x="8524547" y="4843150"/>
+            <a:off x="8549947" y="4294256"/>
             <a:ext cx="1104213" cy="369332"/>
           </a:xfrm>
           <a:prstGeom prst="rect">
@@ -3605,6 +3924,236 @@
           </a:p>
         </p:txBody>
       </p:sp>
+      <p:grpSp>
+        <p:nvGrpSpPr>
+          <p:cNvPr id="35" name="Group 34"/>
+          <p:cNvGrpSpPr/>
+          <p:nvPr/>
+        </p:nvGrpSpPr>
+        <p:grpSpPr>
+          <a:xfrm>
+            <a:off x="0" y="6408446"/>
+            <a:ext cx="11982655" cy="439639"/>
+            <a:chOff x="0" y="6408446"/>
+            <a:chExt cx="11982655" cy="439639"/>
+          </a:xfrm>
+        </p:grpSpPr>
+        <p:grpSp>
+          <p:nvGrpSpPr>
+            <p:cNvPr id="36" name="Group 35"/>
+            <p:cNvGrpSpPr/>
+            <p:nvPr/>
+          </p:nvGrpSpPr>
+          <p:grpSpPr>
+            <a:xfrm>
+              <a:off x="0" y="6408446"/>
+              <a:ext cx="11982655" cy="439639"/>
+              <a:chOff x="0" y="6408446"/>
+              <a:chExt cx="11982655" cy="439639"/>
+            </a:xfrm>
+          </p:grpSpPr>
+          <p:sp>
+            <p:nvSpPr>
+              <p:cNvPr id="38" name="Title 1"/>
+              <p:cNvSpPr txBox="1">
+                <a:spLocks/>
+              </p:cNvSpPr>
+              <p:nvPr/>
+            </p:nvSpPr>
+            <p:spPr>
+              <a:xfrm>
+                <a:off x="0" y="6408446"/>
+                <a:ext cx="10922000" cy="439639"/>
+              </a:xfrm>
+              <a:prstGeom prst="rect">
+                <a:avLst/>
+              </a:prstGeom>
+            </p:spPr>
+            <p:txBody>
+              <a:bodyPr vert="horz" lIns="91440" tIns="45720" rIns="91440" bIns="45720" rtlCol="0" anchor="ctr">
+                <a:normAutofit fontScale="77500" lnSpcReduction="20000"/>
+              </a:bodyPr>
+              <a:lstStyle>
+                <a:lvl1pPr algn="l" defTabSz="914400" rtl="0" eaLnBrk="1" latinLnBrk="0" hangingPunct="1">
+                  <a:lnSpc>
+                    <a:spcPct val="90000"/>
+                  </a:lnSpc>
+                  <a:spcBef>
+                    <a:spcPct val="0"/>
+                  </a:spcBef>
+                  <a:buNone/>
+                  <a:defRPr sz="4400" kern="1200">
+                    <a:solidFill>
+                      <a:schemeClr val="tx1"/>
+                    </a:solidFill>
+                    <a:latin typeface="+mj-lt"/>
+                    <a:ea typeface="+mj-ea"/>
+                    <a:cs typeface="+mj-cs"/>
+                  </a:defRPr>
+                </a:lvl1pPr>
+              </a:lstStyle>
+              <a:p>
+                <a:pPr algn="r"/>
+                <a:r>
+                  <a:rPr lang="en-US" sz="2000" b="1" dirty="0" err="1" smtClean="0"/>
+                  <a:t>Gaona</a:t>
+                </a:r>
+                <a:r>
+                  <a:rPr lang="en-US" sz="2000" b="1" dirty="0" smtClean="0"/>
+                  <a:t> </a:t>
+                </a:r>
+                <a:r>
+                  <a:rPr lang="en-US" sz="2000" b="1" dirty="0" err="1" smtClean="0"/>
+                  <a:t>Andr</a:t>
+                </a:r>
+                <a:r>
+                  <a:rPr lang="es-EC" sz="2000" b="1" dirty="0" err="1" smtClean="0"/>
+                  <a:t>és</a:t>
+                </a:r>
+                <a:r>
+                  <a:rPr lang="es-EC" sz="2000" b="1" dirty="0"/>
+                  <a:t> </a:t>
+                </a:r>
+                <a:r>
+                  <a:rPr lang="es-EC" sz="2000" b="1" dirty="0" smtClean="0"/>
+                  <a:t>   </a:t>
+                </a:r>
+              </a:p>
+              <a:p>
+                <a:pPr algn="r"/>
+                <a:r>
+                  <a:rPr lang="es-EC" sz="2000" b="1" dirty="0" smtClean="0"/>
+                  <a:t>Solarte Enrique</a:t>
+                </a:r>
+                <a:endParaRPr lang="en-GB" sz="2000" b="1" dirty="0"/>
+              </a:p>
+            </p:txBody>
+          </p:sp>
+          <p:pic>
+            <p:nvPicPr>
+              <p:cNvPr id="39" name="Picture 14" descr="Image result for Ecuador flag"/>
+              <p:cNvPicPr>
+                <a:picLocks noChangeAspect="1" noChangeArrowheads="1"/>
+              </p:cNvPicPr>
+              <p:nvPr/>
+            </p:nvPicPr>
+            <p:blipFill>
+              <a:blip r:embed="rId8" cstate="print">
+                <a:extLst>
+                  <a:ext uri="{28A0092B-C50C-407E-A947-70E740481C1C}">
+                    <a14:useLocalDpi xmlns:a14="http://schemas.microsoft.com/office/drawing/2010/main" val="0"/>
+                  </a:ext>
+                </a:extLst>
+              </a:blip>
+              <a:srcRect/>
+              <a:stretch>
+                <a:fillRect/>
+              </a:stretch>
+            </p:blipFill>
+            <p:spPr bwMode="auto">
+              <a:xfrm>
+                <a:off x="10935615" y="6430580"/>
+                <a:ext cx="496970" cy="331314"/>
+              </a:xfrm>
+              <a:prstGeom prst="rect">
+                <a:avLst/>
+              </a:prstGeom>
+              <a:noFill/>
+              <a:extLst>
+                <a:ext uri="{909E8E84-426E-40DD-AFC4-6F175D3DCCD1}">
+                  <a14:hiddenFill xmlns:a14="http://schemas.microsoft.com/office/drawing/2010/main">
+                    <a:solidFill>
+                      <a:srgbClr val="FFFFFF"/>
+                    </a:solidFill>
+                  </a14:hiddenFill>
+                </a:ext>
+              </a:extLst>
+            </p:spPr>
+          </p:pic>
+          <p:pic>
+            <p:nvPicPr>
+              <p:cNvPr id="40" name="Picture 16" descr="Image result for Taiwan"/>
+              <p:cNvPicPr>
+                <a:picLocks noChangeAspect="1" noChangeArrowheads="1"/>
+              </p:cNvPicPr>
+              <p:nvPr/>
+            </p:nvPicPr>
+            <p:blipFill>
+              <a:blip r:embed="rId9" cstate="print">
+                <a:extLst>
+                  <a:ext uri="{28A0092B-C50C-407E-A947-70E740481C1C}">
+                    <a14:useLocalDpi xmlns:a14="http://schemas.microsoft.com/office/drawing/2010/main" val="0"/>
+                  </a:ext>
+                </a:extLst>
+              </a:blip>
+              <a:srcRect/>
+              <a:stretch>
+                <a:fillRect/>
+              </a:stretch>
+            </p:blipFill>
+            <p:spPr bwMode="auto">
+              <a:xfrm>
+                <a:off x="11486304" y="6430580"/>
+                <a:ext cx="496351" cy="331314"/>
+              </a:xfrm>
+              <a:prstGeom prst="rect">
+                <a:avLst/>
+              </a:prstGeom>
+              <a:noFill/>
+              <a:extLst>
+                <a:ext uri="{909E8E84-426E-40DD-AFC4-6F175D3DCCD1}">
+                  <a14:hiddenFill xmlns:a14="http://schemas.microsoft.com/office/drawing/2010/main">
+                    <a:solidFill>
+                      <a:srgbClr val="FFFFFF"/>
+                    </a:solidFill>
+                  </a14:hiddenFill>
+                </a:ext>
+              </a:extLst>
+            </p:spPr>
+          </p:pic>
+        </p:grpSp>
+        <p:pic>
+          <p:nvPicPr>
+            <p:cNvPr id="37" name="Picture 2" descr="Image result for ITRI"/>
+            <p:cNvPicPr>
+              <a:picLocks noChangeAspect="1" noChangeArrowheads="1"/>
+            </p:cNvPicPr>
+            <p:nvPr/>
+          </p:nvPicPr>
+          <p:blipFill>
+            <a:blip r:embed="rId10" cstate="print">
+              <a:extLst>
+                <a:ext uri="{28A0092B-C50C-407E-A947-70E740481C1C}">
+                  <a14:useLocalDpi xmlns:a14="http://schemas.microsoft.com/office/drawing/2010/main" val="0"/>
+                </a:ext>
+              </a:extLst>
+            </a:blip>
+            <a:srcRect/>
+            <a:stretch>
+              <a:fillRect/>
+            </a:stretch>
+          </p:blipFill>
+          <p:spPr bwMode="auto">
+            <a:xfrm>
+              <a:off x="96547" y="6436074"/>
+              <a:ext cx="1143820" cy="363255"/>
+            </a:xfrm>
+            <a:prstGeom prst="rect">
+              <a:avLst/>
+            </a:prstGeom>
+            <a:noFill/>
+            <a:extLst>
+              <a:ext uri="{909E8E84-426E-40DD-AFC4-6F175D3DCCD1}">
+                <a14:hiddenFill xmlns:a14="http://schemas.microsoft.com/office/drawing/2010/main">
+                  <a:solidFill>
+                    <a:srgbClr val="FFFFFF"/>
+                  </a:solidFill>
+                </a14:hiddenFill>
+              </a:ext>
+            </a:extLst>
+          </p:spPr>
+        </p:pic>
+      </p:grpSp>
     </p:spTree>
     <p:extLst>
       <p:ext uri="{BB962C8B-B14F-4D97-AF65-F5344CB8AC3E}">
@@ -3625,7 +4174,7 @@
 </p:sld>
 </file>
 
-<file path=ppt/slides/slide2.xml><?xml version="1.0" encoding="utf-8"?>
+<file path=ppt/slides/slide3.xml><?xml version="1.0" encoding="utf-8"?>
 <p:sld xmlns:a="http://schemas.openxmlformats.org/drawingml/2006/main" xmlns:r="http://schemas.openxmlformats.org/officeDocument/2006/relationships" xmlns:p="http://schemas.openxmlformats.org/presentationml/2006/main">
   <p:cSld>
     <p:spTree>
@@ -3650,7 +4199,7 @@
         </p:nvCxnSpPr>
         <p:spPr>
           <a:xfrm flipH="1" flipV="1">
-            <a:off x="4084304" y="4427313"/>
+            <a:off x="4363704" y="4135213"/>
             <a:ext cx="2103120" cy="0"/>
           </a:xfrm>
           <a:prstGeom prst="line">
@@ -3685,7 +4234,7 @@
         </p:nvCxnSpPr>
         <p:spPr>
           <a:xfrm flipH="1" flipV="1">
-            <a:off x="6135559" y="1610375"/>
+            <a:off x="6414959" y="1318275"/>
             <a:ext cx="457200" cy="0"/>
           </a:xfrm>
           <a:prstGeom prst="line">
@@ -3720,7 +4269,7 @@
         </p:nvCxnSpPr>
         <p:spPr>
           <a:xfrm flipH="1" flipV="1">
-            <a:off x="3719792" y="2438660"/>
+            <a:off x="3999192" y="2146560"/>
             <a:ext cx="457200" cy="0"/>
           </a:xfrm>
           <a:prstGeom prst="line">
@@ -3759,7 +4308,7 @@
         </p:nvSpPr>
         <p:spPr>
           <a:xfrm>
-            <a:off x="227780" y="-12960"/>
+            <a:off x="246603" y="-179076"/>
             <a:ext cx="10515600" cy="1325563"/>
           </a:xfrm>
         </p:spPr>
@@ -3783,7 +4332,7 @@
         </p:nvCxnSpPr>
         <p:spPr>
           <a:xfrm flipV="1">
-            <a:off x="3738606" y="2425960"/>
+            <a:off x="4018006" y="2133860"/>
             <a:ext cx="0" cy="1828800"/>
           </a:xfrm>
           <a:prstGeom prst="line">
@@ -3818,7 +4367,7 @@
         </p:nvGrpSpPr>
         <p:grpSpPr>
           <a:xfrm>
-            <a:off x="612701" y="1208973"/>
+            <a:off x="892101" y="916873"/>
             <a:ext cx="2934393" cy="1103088"/>
             <a:chOff x="6969727" y="1249557"/>
             <a:chExt cx="1902424" cy="1103088"/>
@@ -4051,7 +4600,7 @@
         </p:nvGrpSpPr>
         <p:grpSpPr>
           <a:xfrm>
-            <a:off x="3966789" y="1798387"/>
+            <a:off x="4246189" y="1506287"/>
             <a:ext cx="1902424" cy="904479"/>
             <a:chOff x="7706102" y="3871377"/>
             <a:chExt cx="1902424" cy="904479"/>
@@ -4284,7 +4833,7 @@
         </p:nvCxnSpPr>
         <p:spPr>
           <a:xfrm flipH="1" flipV="1">
-            <a:off x="4419503" y="4881633"/>
+            <a:off x="4698903" y="4589533"/>
             <a:ext cx="3474720" cy="0"/>
           </a:xfrm>
           <a:prstGeom prst="line">
@@ -4319,7 +4868,7 @@
         </p:nvGrpSpPr>
         <p:grpSpPr>
           <a:xfrm>
-            <a:off x="6474429" y="889072"/>
+            <a:off x="6753829" y="596972"/>
             <a:ext cx="2280118" cy="870722"/>
             <a:chOff x="4588992" y="1241319"/>
             <a:chExt cx="1754901" cy="870722"/>
@@ -4552,7 +5101,7 @@
         </p:nvCxnSpPr>
         <p:spPr>
           <a:xfrm flipV="1">
-            <a:off x="2917853" y="2309517"/>
+            <a:off x="3197253" y="2017417"/>
             <a:ext cx="0" cy="1920240"/>
           </a:xfrm>
           <a:prstGeom prst="line">
@@ -4587,7 +5136,7 @@
         </p:nvGrpSpPr>
         <p:grpSpPr>
           <a:xfrm>
-            <a:off x="694898" y="4193951"/>
+            <a:off x="974298" y="3901851"/>
             <a:ext cx="3732335" cy="1816681"/>
             <a:chOff x="901309" y="2386073"/>
             <a:chExt cx="2743200" cy="1816681"/>
@@ -4937,7 +5486,7 @@
         </p:nvSpPr>
         <p:spPr>
           <a:xfrm>
-            <a:off x="4242004" y="5122233"/>
+            <a:off x="4521404" y="4830133"/>
             <a:ext cx="237566" cy="369332"/>
           </a:xfrm>
           <a:prstGeom prst="rect">
@@ -4967,7 +5516,7 @@
         </p:nvGrpSpPr>
         <p:grpSpPr>
           <a:xfrm>
-            <a:off x="7816159" y="3058454"/>
+            <a:off x="7816159" y="2245654"/>
             <a:ext cx="3076217" cy="3388610"/>
             <a:chOff x="6917191" y="3237650"/>
             <a:chExt cx="3076217" cy="3388610"/>
@@ -5366,7 +5915,7 @@
         </p:nvSpPr>
         <p:spPr>
           <a:xfrm>
-            <a:off x="6448403" y="1780266"/>
+            <a:off x="6727803" y="1488166"/>
             <a:ext cx="2306144" cy="830997"/>
           </a:xfrm>
           <a:prstGeom prst="rect">
@@ -5403,7 +5952,7 @@
         </p:nvSpPr>
         <p:spPr>
           <a:xfrm>
-            <a:off x="4128362" y="2731028"/>
+            <a:off x="4407762" y="2438928"/>
             <a:ext cx="1579278" cy="1077218"/>
           </a:xfrm>
           <a:prstGeom prst="rect">
@@ -5446,7 +5995,7 @@
         </p:nvSpPr>
         <p:spPr>
           <a:xfrm>
-            <a:off x="719858" y="2345962"/>
+            <a:off x="999258" y="2053862"/>
             <a:ext cx="1789592" cy="338554"/>
           </a:xfrm>
           <a:prstGeom prst="rect">
@@ -5474,7 +6023,7 @@
         </p:nvSpPr>
         <p:spPr>
           <a:xfrm>
-            <a:off x="612701" y="1768558"/>
+            <a:off x="892101" y="1476458"/>
             <a:ext cx="2948243" cy="369332"/>
           </a:xfrm>
           <a:prstGeom prst="rect">
@@ -5503,7 +6052,7 @@
         </p:nvCxnSpPr>
         <p:spPr>
           <a:xfrm flipV="1">
-            <a:off x="6156863" y="1600839"/>
+            <a:off x="6436263" y="1308739"/>
             <a:ext cx="0" cy="2834640"/>
           </a:xfrm>
           <a:prstGeom prst="line">
@@ -5530,6 +6079,236 @@
           </a:fontRef>
         </p:style>
       </p:cxnSp>
+      <p:grpSp>
+        <p:nvGrpSpPr>
+          <p:cNvPr id="94" name="Group 93"/>
+          <p:cNvGrpSpPr/>
+          <p:nvPr/>
+        </p:nvGrpSpPr>
+        <p:grpSpPr>
+          <a:xfrm>
+            <a:off x="0" y="6408446"/>
+            <a:ext cx="11982655" cy="439639"/>
+            <a:chOff x="0" y="6408446"/>
+            <a:chExt cx="11982655" cy="439639"/>
+          </a:xfrm>
+        </p:grpSpPr>
+        <p:grpSp>
+          <p:nvGrpSpPr>
+            <p:cNvPr id="95" name="Group 94"/>
+            <p:cNvGrpSpPr/>
+            <p:nvPr/>
+          </p:nvGrpSpPr>
+          <p:grpSpPr>
+            <a:xfrm>
+              <a:off x="0" y="6408446"/>
+              <a:ext cx="11982655" cy="439639"/>
+              <a:chOff x="0" y="6408446"/>
+              <a:chExt cx="11982655" cy="439639"/>
+            </a:xfrm>
+          </p:grpSpPr>
+          <p:sp>
+            <p:nvSpPr>
+              <p:cNvPr id="97" name="Title 1"/>
+              <p:cNvSpPr txBox="1">
+                <a:spLocks/>
+              </p:cNvSpPr>
+              <p:nvPr/>
+            </p:nvSpPr>
+            <p:spPr>
+              <a:xfrm>
+                <a:off x="0" y="6408446"/>
+                <a:ext cx="10922000" cy="439639"/>
+              </a:xfrm>
+              <a:prstGeom prst="rect">
+                <a:avLst/>
+              </a:prstGeom>
+            </p:spPr>
+            <p:txBody>
+              <a:bodyPr vert="horz" lIns="91440" tIns="45720" rIns="91440" bIns="45720" rtlCol="0" anchor="ctr">
+                <a:normAutofit fontScale="77500" lnSpcReduction="20000"/>
+              </a:bodyPr>
+              <a:lstStyle>
+                <a:lvl1pPr algn="l" defTabSz="914400" rtl="0" eaLnBrk="1" latinLnBrk="0" hangingPunct="1">
+                  <a:lnSpc>
+                    <a:spcPct val="90000"/>
+                  </a:lnSpc>
+                  <a:spcBef>
+                    <a:spcPct val="0"/>
+                  </a:spcBef>
+                  <a:buNone/>
+                  <a:defRPr sz="4400" kern="1200">
+                    <a:solidFill>
+                      <a:schemeClr val="tx1"/>
+                    </a:solidFill>
+                    <a:latin typeface="+mj-lt"/>
+                    <a:ea typeface="+mj-ea"/>
+                    <a:cs typeface="+mj-cs"/>
+                  </a:defRPr>
+                </a:lvl1pPr>
+              </a:lstStyle>
+              <a:p>
+                <a:pPr algn="r"/>
+                <a:r>
+                  <a:rPr lang="en-US" sz="2000" b="1" dirty="0" err="1" smtClean="0"/>
+                  <a:t>Gaona</a:t>
+                </a:r>
+                <a:r>
+                  <a:rPr lang="en-US" sz="2000" b="1" dirty="0" smtClean="0"/>
+                  <a:t> </a:t>
+                </a:r>
+                <a:r>
+                  <a:rPr lang="en-US" sz="2000" b="1" dirty="0" err="1" smtClean="0"/>
+                  <a:t>Andr</a:t>
+                </a:r>
+                <a:r>
+                  <a:rPr lang="es-EC" sz="2000" b="1" dirty="0" err="1" smtClean="0"/>
+                  <a:t>és</a:t>
+                </a:r>
+                <a:r>
+                  <a:rPr lang="es-EC" sz="2000" b="1" dirty="0"/>
+                  <a:t> </a:t>
+                </a:r>
+                <a:r>
+                  <a:rPr lang="es-EC" sz="2000" b="1" dirty="0" smtClean="0"/>
+                  <a:t>   </a:t>
+                </a:r>
+              </a:p>
+              <a:p>
+                <a:pPr algn="r"/>
+                <a:r>
+                  <a:rPr lang="es-EC" sz="2000" b="1" dirty="0" smtClean="0"/>
+                  <a:t>Solarte Enrique</a:t>
+                </a:r>
+                <a:endParaRPr lang="en-GB" sz="2000" b="1" dirty="0"/>
+              </a:p>
+            </p:txBody>
+          </p:sp>
+          <p:pic>
+            <p:nvPicPr>
+              <p:cNvPr id="98" name="Picture 14" descr="Image result for Ecuador flag"/>
+              <p:cNvPicPr>
+                <a:picLocks noChangeAspect="1" noChangeArrowheads="1"/>
+              </p:cNvPicPr>
+              <p:nvPr/>
+            </p:nvPicPr>
+            <p:blipFill>
+              <a:blip r:embed="rId10" cstate="print">
+                <a:extLst>
+                  <a:ext uri="{28A0092B-C50C-407E-A947-70E740481C1C}">
+                    <a14:useLocalDpi xmlns:a14="http://schemas.microsoft.com/office/drawing/2010/main" val="0"/>
+                  </a:ext>
+                </a:extLst>
+              </a:blip>
+              <a:srcRect/>
+              <a:stretch>
+                <a:fillRect/>
+              </a:stretch>
+            </p:blipFill>
+            <p:spPr bwMode="auto">
+              <a:xfrm>
+                <a:off x="10935615" y="6430580"/>
+                <a:ext cx="496970" cy="331314"/>
+              </a:xfrm>
+              <a:prstGeom prst="rect">
+                <a:avLst/>
+              </a:prstGeom>
+              <a:noFill/>
+              <a:extLst>
+                <a:ext uri="{909E8E84-426E-40DD-AFC4-6F175D3DCCD1}">
+                  <a14:hiddenFill xmlns:a14="http://schemas.microsoft.com/office/drawing/2010/main">
+                    <a:solidFill>
+                      <a:srgbClr val="FFFFFF"/>
+                    </a:solidFill>
+                  </a14:hiddenFill>
+                </a:ext>
+              </a:extLst>
+            </p:spPr>
+          </p:pic>
+          <p:pic>
+            <p:nvPicPr>
+              <p:cNvPr id="99" name="Picture 16" descr="Image result for Taiwan"/>
+              <p:cNvPicPr>
+                <a:picLocks noChangeAspect="1" noChangeArrowheads="1"/>
+              </p:cNvPicPr>
+              <p:nvPr/>
+            </p:nvPicPr>
+            <p:blipFill>
+              <a:blip r:embed="rId11" cstate="print">
+                <a:extLst>
+                  <a:ext uri="{28A0092B-C50C-407E-A947-70E740481C1C}">
+                    <a14:useLocalDpi xmlns:a14="http://schemas.microsoft.com/office/drawing/2010/main" val="0"/>
+                  </a:ext>
+                </a:extLst>
+              </a:blip>
+              <a:srcRect/>
+              <a:stretch>
+                <a:fillRect/>
+              </a:stretch>
+            </p:blipFill>
+            <p:spPr bwMode="auto">
+              <a:xfrm>
+                <a:off x="11486304" y="6430580"/>
+                <a:ext cx="496351" cy="331314"/>
+              </a:xfrm>
+              <a:prstGeom prst="rect">
+                <a:avLst/>
+              </a:prstGeom>
+              <a:noFill/>
+              <a:extLst>
+                <a:ext uri="{909E8E84-426E-40DD-AFC4-6F175D3DCCD1}">
+                  <a14:hiddenFill xmlns:a14="http://schemas.microsoft.com/office/drawing/2010/main">
+                    <a:solidFill>
+                      <a:srgbClr val="FFFFFF"/>
+                    </a:solidFill>
+                  </a14:hiddenFill>
+                </a:ext>
+              </a:extLst>
+            </p:spPr>
+          </p:pic>
+        </p:grpSp>
+        <p:pic>
+          <p:nvPicPr>
+            <p:cNvPr id="96" name="Picture 2" descr="Image result for ITRI"/>
+            <p:cNvPicPr>
+              <a:picLocks noChangeAspect="1" noChangeArrowheads="1"/>
+            </p:cNvPicPr>
+            <p:nvPr/>
+          </p:nvPicPr>
+          <p:blipFill>
+            <a:blip r:embed="rId12" cstate="print">
+              <a:extLst>
+                <a:ext uri="{28A0092B-C50C-407E-A947-70E740481C1C}">
+                  <a14:useLocalDpi xmlns:a14="http://schemas.microsoft.com/office/drawing/2010/main" val="0"/>
+                </a:ext>
+              </a:extLst>
+            </a:blip>
+            <a:srcRect/>
+            <a:stretch>
+              <a:fillRect/>
+            </a:stretch>
+          </p:blipFill>
+          <p:spPr bwMode="auto">
+            <a:xfrm>
+              <a:off x="96547" y="6436074"/>
+              <a:ext cx="1143820" cy="363255"/>
+            </a:xfrm>
+            <a:prstGeom prst="rect">
+              <a:avLst/>
+            </a:prstGeom>
+            <a:noFill/>
+            <a:extLst>
+              <a:ext uri="{909E8E84-426E-40DD-AFC4-6F175D3DCCD1}">
+                <a14:hiddenFill xmlns:a14="http://schemas.microsoft.com/office/drawing/2010/main">
+                  <a:solidFill>
+                    <a:srgbClr val="FFFFFF"/>
+                  </a:solidFill>
+                </a14:hiddenFill>
+              </a:ext>
+            </a:extLst>
+          </p:spPr>
+        </p:pic>
+      </p:grpSp>
     </p:spTree>
     <p:extLst>
       <p:ext uri="{BB962C8B-B14F-4D97-AF65-F5344CB8AC3E}">
@@ -5540,904 +6319,13 @@
   <p:clrMapOvr>
     <a:masterClrMapping/>
   </p:clrMapOvr>
-</p:sld>
-</file>
-
-<file path=ppt/slides/slide3.xml><?xml version="1.0" encoding="utf-8"?>
-<p:sld xmlns:a="http://schemas.openxmlformats.org/drawingml/2006/main" xmlns:r="http://schemas.openxmlformats.org/officeDocument/2006/relationships" xmlns:p="http://schemas.openxmlformats.org/presentationml/2006/main">
-  <p:cSld>
-    <p:spTree>
-      <p:nvGrpSpPr>
-        <p:cNvPr id="1" name=""/>
-        <p:cNvGrpSpPr/>
-        <p:nvPr/>
-      </p:nvGrpSpPr>
-      <p:grpSpPr>
-        <a:xfrm>
-          <a:off x="0" y="0"/>
-          <a:ext cx="0" cy="0"/>
-          <a:chOff x="0" y="0"/>
-          <a:chExt cx="0" cy="0"/>
-        </a:xfrm>
-      </p:grpSpPr>
-      <p:sp>
-        <p:nvSpPr>
-          <p:cNvPr id="2" name="Title 1"/>
-          <p:cNvSpPr>
-            <a:spLocks noGrp="1"/>
-          </p:cNvSpPr>
-          <p:nvPr>
-            <p:ph type="title"/>
-          </p:nvPr>
-        </p:nvSpPr>
-        <p:spPr>
-          <a:xfrm>
-            <a:off x="227780" y="-12960"/>
-            <a:ext cx="10515600" cy="1325563"/>
-          </a:xfrm>
-        </p:spPr>
-        <p:txBody>
-          <a:bodyPr/>
-          <a:lstStyle/>
-          <a:p>
-            <a:r>
-              <a:rPr lang="en-US" dirty="0" smtClean="0"/>
-              <a:t>Program</a:t>
-            </a:r>
-            <a:endParaRPr lang="en-GB" dirty="0"/>
-          </a:p>
-        </p:txBody>
-      </p:sp>
-      <p:sp>
-        <p:nvSpPr>
-          <p:cNvPr id="3" name="Rectangle 2"/>
-          <p:cNvSpPr/>
-          <p:nvPr/>
-        </p:nvSpPr>
-        <p:spPr>
-          <a:xfrm>
-            <a:off x="428369" y="1201390"/>
-            <a:ext cx="6096000" cy="646331"/>
-          </a:xfrm>
-          <a:prstGeom prst="rect">
-            <a:avLst/>
-          </a:prstGeom>
-        </p:spPr>
-        <p:txBody>
-          <a:bodyPr>
-            <a:spAutoFit/>
-          </a:bodyPr>
-          <a:lstStyle/>
-          <a:p>
-            <a:r>
-              <a:rPr lang="en-GB" dirty="0" smtClean="0">
-                <a:solidFill>
-                  <a:srgbClr val="0000FF"/>
-                </a:solidFill>
-                <a:latin typeface="Consolas" panose="020B0609020204030204" pitchFamily="49" charset="0"/>
-              </a:rPr>
-              <a:t>double</a:t>
-            </a:r>
-            <a:r>
-              <a:rPr lang="en-GB" dirty="0" smtClean="0">
-                <a:solidFill>
-                  <a:srgbClr val="000000"/>
-                </a:solidFill>
-                <a:latin typeface="Consolas" panose="020B0609020204030204" pitchFamily="49" charset="0"/>
-              </a:rPr>
-              <a:t>[] </a:t>
-            </a:r>
-            <a:r>
-              <a:rPr lang="en-GB" dirty="0" err="1" smtClean="0">
-                <a:solidFill>
-                  <a:srgbClr val="000000"/>
-                </a:solidFill>
-                <a:latin typeface="Consolas" panose="020B0609020204030204" pitchFamily="49" charset="0"/>
-              </a:rPr>
-              <a:t>xVar</a:t>
-            </a:r>
-            <a:r>
-              <a:rPr lang="en-GB" dirty="0" smtClean="0">
-                <a:solidFill>
-                  <a:srgbClr val="000000"/>
-                </a:solidFill>
-                <a:latin typeface="Consolas" panose="020B0609020204030204" pitchFamily="49" charset="0"/>
-              </a:rPr>
-              <a:t>; </a:t>
-            </a:r>
-          </a:p>
-          <a:p>
-            <a:r>
-              <a:rPr lang="en-GB" dirty="0" smtClean="0">
-                <a:solidFill>
-                  <a:srgbClr val="0000FF"/>
-                </a:solidFill>
-                <a:latin typeface="Consolas" panose="020B0609020204030204" pitchFamily="49" charset="0"/>
-              </a:rPr>
-              <a:t>double</a:t>
-            </a:r>
-            <a:r>
-              <a:rPr lang="en-GB" dirty="0" smtClean="0">
-                <a:solidFill>
-                  <a:srgbClr val="000000"/>
-                </a:solidFill>
-                <a:latin typeface="Consolas" panose="020B0609020204030204" pitchFamily="49" charset="0"/>
-              </a:rPr>
-              <a:t>[] </a:t>
-            </a:r>
-            <a:r>
-              <a:rPr lang="en-GB" dirty="0" err="1" smtClean="0">
-                <a:solidFill>
-                  <a:srgbClr val="000000"/>
-                </a:solidFill>
-                <a:latin typeface="Consolas" panose="020B0609020204030204" pitchFamily="49" charset="0"/>
-              </a:rPr>
-              <a:t>yVar</a:t>
-            </a:r>
-            <a:r>
-              <a:rPr lang="en-GB" dirty="0" smtClean="0">
-                <a:solidFill>
-                  <a:srgbClr val="000000"/>
-                </a:solidFill>
-                <a:latin typeface="Consolas" panose="020B0609020204030204" pitchFamily="49" charset="0"/>
-              </a:rPr>
-              <a:t>;</a:t>
-            </a:r>
-          </a:p>
-        </p:txBody>
-      </p:sp>
-      <p:sp>
-        <p:nvSpPr>
-          <p:cNvPr id="5" name="Rectangle 4"/>
-          <p:cNvSpPr/>
-          <p:nvPr/>
-        </p:nvSpPr>
-        <p:spPr>
-          <a:xfrm>
-            <a:off x="428368" y="1880622"/>
-            <a:ext cx="11607113" cy="369332"/>
-          </a:xfrm>
-          <a:prstGeom prst="rect">
-            <a:avLst/>
-          </a:prstGeom>
-        </p:spPr>
-        <p:txBody>
-          <a:bodyPr wrap="square">
-            <a:spAutoFit/>
-          </a:bodyPr>
-          <a:lstStyle/>
-          <a:p>
-            <a:r>
-              <a:rPr lang="en-GB" dirty="0" smtClean="0">
-                <a:solidFill>
-                  <a:srgbClr val="0000FF"/>
-                </a:solidFill>
-                <a:latin typeface="Consolas" panose="020B0609020204030204" pitchFamily="49" charset="0"/>
-              </a:rPr>
-              <a:t>double</a:t>
-            </a:r>
-            <a:r>
-              <a:rPr lang="en-GB" dirty="0" smtClean="0">
-                <a:solidFill>
-                  <a:srgbClr val="000000"/>
-                </a:solidFill>
-                <a:latin typeface="Consolas" panose="020B0609020204030204" pitchFamily="49" charset="0"/>
-              </a:rPr>
-              <a:t>[,] </a:t>
-            </a:r>
-            <a:r>
-              <a:rPr lang="en-GB" dirty="0" err="1" smtClean="0">
-                <a:solidFill>
-                  <a:srgbClr val="000000"/>
-                </a:solidFill>
-                <a:latin typeface="Consolas" panose="020B0609020204030204" pitchFamily="49" charset="0"/>
-              </a:rPr>
-              <a:t>rangeFeatures</a:t>
-            </a:r>
-            <a:r>
-              <a:rPr lang="en-GB" dirty="0" smtClean="0">
-                <a:solidFill>
-                  <a:srgbClr val="000000"/>
-                </a:solidFill>
-                <a:latin typeface="Consolas" panose="020B0609020204030204" pitchFamily="49" charset="0"/>
-              </a:rPr>
-              <a:t> = </a:t>
-            </a:r>
-            <a:r>
-              <a:rPr lang="en-GB" dirty="0" smtClean="0">
-                <a:solidFill>
-                  <a:srgbClr val="0000FF"/>
-                </a:solidFill>
-                <a:latin typeface="Consolas" panose="020B0609020204030204" pitchFamily="49" charset="0"/>
-              </a:rPr>
-              <a:t>new</a:t>
-            </a:r>
-            <a:r>
-              <a:rPr lang="en-GB" dirty="0" smtClean="0">
-                <a:solidFill>
-                  <a:srgbClr val="000000"/>
-                </a:solidFill>
-                <a:latin typeface="Consolas" panose="020B0609020204030204" pitchFamily="49" charset="0"/>
-              </a:rPr>
-              <a:t> </a:t>
-            </a:r>
-            <a:r>
-              <a:rPr lang="en-GB" dirty="0" smtClean="0">
-                <a:solidFill>
-                  <a:srgbClr val="0000FF"/>
-                </a:solidFill>
-                <a:latin typeface="Consolas" panose="020B0609020204030204" pitchFamily="49" charset="0"/>
-              </a:rPr>
-              <a:t>double</a:t>
-            </a:r>
-            <a:r>
-              <a:rPr lang="en-GB" dirty="0" smtClean="0">
-                <a:solidFill>
-                  <a:srgbClr val="000000"/>
-                </a:solidFill>
-                <a:latin typeface="Consolas" panose="020B0609020204030204" pitchFamily="49" charset="0"/>
-              </a:rPr>
-              <a:t>[,] { { 1, 20 }, { 5, 50 }, {1, 20 }, { 0.001, 3.5 } };</a:t>
-            </a:r>
-            <a:endParaRPr lang="en-GB" dirty="0"/>
-          </a:p>
-        </p:txBody>
-      </p:sp>
-      <p:sp>
-        <p:nvSpPr>
-          <p:cNvPr id="6" name="Rectangle 5"/>
-          <p:cNvSpPr/>
-          <p:nvPr/>
-        </p:nvSpPr>
-        <p:spPr>
-          <a:xfrm>
-            <a:off x="2425328" y="1247901"/>
-            <a:ext cx="1451038" cy="369332"/>
-          </a:xfrm>
-          <a:prstGeom prst="rect">
-            <a:avLst/>
-          </a:prstGeom>
-        </p:spPr>
-        <p:txBody>
-          <a:bodyPr wrap="none">
-            <a:spAutoFit/>
-          </a:bodyPr>
-          <a:lstStyle/>
-          <a:p>
-            <a:r>
-              <a:rPr lang="en-GB" dirty="0" smtClean="0">
-                <a:solidFill>
-                  <a:srgbClr val="008000"/>
-                </a:solidFill>
-                <a:latin typeface="Consolas" panose="020B0609020204030204" pitchFamily="49" charset="0"/>
-              </a:rPr>
-              <a:t>// Target </a:t>
-            </a:r>
-            <a:endParaRPr lang="en-GB" dirty="0"/>
-          </a:p>
-        </p:txBody>
-      </p:sp>
-      <p:sp>
-        <p:nvSpPr>
-          <p:cNvPr id="56" name="Rectangle 55"/>
-          <p:cNvSpPr/>
-          <p:nvPr/>
-        </p:nvSpPr>
-        <p:spPr>
-          <a:xfrm>
-            <a:off x="2425328" y="1530664"/>
-            <a:ext cx="1324402" cy="369332"/>
-          </a:xfrm>
-          <a:prstGeom prst="rect">
-            <a:avLst/>
-          </a:prstGeom>
-        </p:spPr>
-        <p:txBody>
-          <a:bodyPr wrap="none">
-            <a:spAutoFit/>
-          </a:bodyPr>
-          <a:lstStyle/>
-          <a:p>
-            <a:r>
-              <a:rPr lang="en-GB" dirty="0" smtClean="0">
-                <a:solidFill>
-                  <a:srgbClr val="008000"/>
-                </a:solidFill>
-                <a:latin typeface="Consolas" panose="020B0609020204030204" pitchFamily="49" charset="0"/>
-              </a:rPr>
-              <a:t>// Target</a:t>
-            </a:r>
-            <a:endParaRPr lang="en-GB" dirty="0"/>
-          </a:p>
-        </p:txBody>
-      </p:sp>
-      <p:sp>
-        <p:nvSpPr>
-          <p:cNvPr id="7" name="Rectangle 6"/>
-          <p:cNvSpPr/>
-          <p:nvPr/>
-        </p:nvSpPr>
-        <p:spPr>
-          <a:xfrm>
-            <a:off x="252494" y="2664763"/>
-            <a:ext cx="10240872" cy="646331"/>
-          </a:xfrm>
-          <a:prstGeom prst="rect">
-            <a:avLst/>
-          </a:prstGeom>
-        </p:spPr>
-        <p:txBody>
-          <a:bodyPr wrap="square">
-            <a:spAutoFit/>
-          </a:bodyPr>
-          <a:lstStyle/>
-          <a:p>
-            <a:r>
-              <a:rPr lang="en-GB" dirty="0" smtClean="0">
-                <a:solidFill>
-                  <a:srgbClr val="000000"/>
-                </a:solidFill>
-                <a:latin typeface="Consolas" panose="020B0609020204030204" pitchFamily="49" charset="0"/>
-              </a:rPr>
-              <a:t> </a:t>
-            </a:r>
-            <a:r>
-              <a:rPr lang="en-GB" dirty="0" err="1" smtClean="0">
-                <a:solidFill>
-                  <a:srgbClr val="2B91AF"/>
-                </a:solidFill>
-                <a:latin typeface="Consolas" panose="020B0609020204030204" pitchFamily="49" charset="0"/>
-              </a:rPr>
-              <a:t>GeneticAlgorithm</a:t>
-            </a:r>
-            <a:r>
-              <a:rPr lang="en-GB" dirty="0" smtClean="0">
-                <a:solidFill>
-                  <a:srgbClr val="2B91AF"/>
-                </a:solidFill>
-                <a:latin typeface="Consolas" panose="020B0609020204030204" pitchFamily="49" charset="0"/>
-              </a:rPr>
-              <a:t> </a:t>
-            </a:r>
-            <a:r>
-              <a:rPr lang="en-GB" dirty="0" smtClean="0">
-                <a:solidFill>
-                  <a:srgbClr val="000000"/>
-                </a:solidFill>
-                <a:latin typeface="Consolas" panose="020B0609020204030204" pitchFamily="49" charset="0"/>
-              </a:rPr>
-              <a:t>GA = </a:t>
-            </a:r>
-            <a:r>
-              <a:rPr lang="en-GB" dirty="0" smtClean="0">
-                <a:solidFill>
-                  <a:srgbClr val="0000FF"/>
-                </a:solidFill>
-                <a:latin typeface="Consolas" panose="020B0609020204030204" pitchFamily="49" charset="0"/>
-              </a:rPr>
-              <a:t>new</a:t>
-            </a:r>
-            <a:r>
-              <a:rPr lang="en-GB" dirty="0" smtClean="0">
-                <a:solidFill>
-                  <a:srgbClr val="000000"/>
-                </a:solidFill>
-                <a:latin typeface="Consolas" panose="020B0609020204030204" pitchFamily="49" charset="0"/>
-              </a:rPr>
-              <a:t> </a:t>
-            </a:r>
-            <a:r>
-              <a:rPr lang="en-GB" dirty="0" err="1" smtClean="0">
-                <a:solidFill>
-                  <a:srgbClr val="2B91AF"/>
-                </a:solidFill>
-                <a:latin typeface="Consolas" panose="020B0609020204030204" pitchFamily="49" charset="0"/>
-              </a:rPr>
-              <a:t>GeneticAlgorithm</a:t>
-            </a:r>
-            <a:r>
-              <a:rPr lang="en-GB" dirty="0" smtClean="0">
-                <a:solidFill>
-                  <a:srgbClr val="000000"/>
-                </a:solidFill>
-                <a:latin typeface="Consolas" panose="020B0609020204030204" pitchFamily="49" charset="0"/>
-              </a:rPr>
-              <a:t>(1000, </a:t>
-            </a:r>
-            <a:r>
-              <a:rPr lang="en-GB" dirty="0" err="1" smtClean="0">
-                <a:solidFill>
-                  <a:srgbClr val="000000"/>
-                </a:solidFill>
-                <a:latin typeface="Consolas" panose="020B0609020204030204" pitchFamily="49" charset="0"/>
-              </a:rPr>
-              <a:t>rangeFeatures</a:t>
-            </a:r>
-            <a:r>
-              <a:rPr lang="en-GB" dirty="0" smtClean="0">
-                <a:solidFill>
-                  <a:srgbClr val="000000"/>
-                </a:solidFill>
-                <a:latin typeface="Consolas" panose="020B0609020204030204" pitchFamily="49" charset="0"/>
-              </a:rPr>
-              <a:t>, </a:t>
-            </a:r>
-            <a:r>
-              <a:rPr lang="en-GB" dirty="0" err="1" smtClean="0">
-                <a:solidFill>
-                  <a:srgbClr val="000000"/>
-                </a:solidFill>
-                <a:latin typeface="Consolas" panose="020B0609020204030204" pitchFamily="49" charset="0"/>
-              </a:rPr>
-              <a:t>xVar</a:t>
-            </a:r>
-            <a:r>
-              <a:rPr lang="en-GB" dirty="0" smtClean="0">
-                <a:solidFill>
-                  <a:srgbClr val="000000"/>
-                </a:solidFill>
-                <a:latin typeface="Consolas" panose="020B0609020204030204" pitchFamily="49" charset="0"/>
-              </a:rPr>
-              <a:t>, </a:t>
-            </a:r>
-            <a:r>
-              <a:rPr lang="en-GB" dirty="0" err="1" smtClean="0">
-                <a:solidFill>
-                  <a:srgbClr val="000000"/>
-                </a:solidFill>
-                <a:latin typeface="Consolas" panose="020B0609020204030204" pitchFamily="49" charset="0"/>
-              </a:rPr>
-              <a:t>yVar</a:t>
-            </a:r>
-            <a:r>
-              <a:rPr lang="en-GB" dirty="0" smtClean="0">
-                <a:solidFill>
-                  <a:srgbClr val="000000"/>
-                </a:solidFill>
-                <a:latin typeface="Consolas" panose="020B0609020204030204" pitchFamily="49" charset="0"/>
-              </a:rPr>
-              <a:t>);</a:t>
-            </a:r>
-          </a:p>
-          <a:p>
-            <a:r>
-              <a:rPr lang="en-GB" dirty="0" smtClean="0">
-                <a:solidFill>
-                  <a:srgbClr val="000000"/>
-                </a:solidFill>
-                <a:latin typeface="Consolas" panose="020B0609020204030204" pitchFamily="49" charset="0"/>
-              </a:rPr>
-              <a:t>            </a:t>
-            </a:r>
-            <a:endParaRPr lang="en-GB" dirty="0" smtClean="0">
-              <a:solidFill>
-                <a:srgbClr val="000000"/>
-              </a:solidFill>
-              <a:latin typeface="Consolas" panose="020B0609020204030204" pitchFamily="49" charset="0"/>
-            </a:endParaRPr>
-          </a:p>
-        </p:txBody>
-      </p:sp>
-      <p:sp>
-        <p:nvSpPr>
-          <p:cNvPr id="60" name="Rectangle 59"/>
-          <p:cNvSpPr/>
-          <p:nvPr/>
-        </p:nvSpPr>
-        <p:spPr>
-          <a:xfrm>
-            <a:off x="732383" y="2968994"/>
-            <a:ext cx="9555821" cy="369332"/>
-          </a:xfrm>
-          <a:prstGeom prst="rect">
-            <a:avLst/>
-          </a:prstGeom>
-        </p:spPr>
-        <p:txBody>
-          <a:bodyPr wrap="none">
-            <a:spAutoFit/>
-          </a:bodyPr>
-          <a:lstStyle/>
-          <a:p>
-            <a:r>
-              <a:rPr lang="en-GB" dirty="0" smtClean="0">
-                <a:solidFill>
-                  <a:srgbClr val="008000"/>
-                </a:solidFill>
-                <a:latin typeface="Consolas" panose="020B0609020204030204" pitchFamily="49" charset="0"/>
-              </a:rPr>
-              <a:t>// </a:t>
-            </a:r>
-            <a:r>
-              <a:rPr lang="en-GB" dirty="0" err="1" smtClean="0">
-                <a:solidFill>
-                  <a:srgbClr val="008000"/>
-                </a:solidFill>
-                <a:latin typeface="Consolas" panose="020B0609020204030204" pitchFamily="49" charset="0"/>
-              </a:rPr>
-              <a:t>GeneticAlgorithm</a:t>
-            </a:r>
-            <a:r>
-              <a:rPr lang="en-GB" dirty="0" smtClean="0">
-                <a:solidFill>
-                  <a:srgbClr val="008000"/>
-                </a:solidFill>
-                <a:latin typeface="Consolas" panose="020B0609020204030204" pitchFamily="49" charset="0"/>
-              </a:rPr>
-              <a:t>( population , range of features , x target , y target)</a:t>
-            </a:r>
-            <a:endParaRPr lang="en-GB" dirty="0"/>
-          </a:p>
-        </p:txBody>
-      </p:sp>
-      <p:sp>
-        <p:nvSpPr>
-          <p:cNvPr id="62" name="Rectangle 61"/>
-          <p:cNvSpPr/>
-          <p:nvPr/>
-        </p:nvSpPr>
-        <p:spPr>
-          <a:xfrm>
-            <a:off x="252494" y="5203170"/>
-            <a:ext cx="11066296" cy="646331"/>
-          </a:xfrm>
-          <a:prstGeom prst="rect">
-            <a:avLst/>
-          </a:prstGeom>
-        </p:spPr>
-        <p:txBody>
-          <a:bodyPr wrap="square">
-            <a:spAutoFit/>
-          </a:bodyPr>
-          <a:lstStyle/>
-          <a:p>
-            <a:r>
-              <a:rPr lang="en-GB" dirty="0" smtClean="0">
-                <a:solidFill>
-                  <a:srgbClr val="000000"/>
-                </a:solidFill>
-                <a:latin typeface="Consolas" panose="020B0609020204030204" pitchFamily="49" charset="0"/>
-              </a:rPr>
-              <a:t> </a:t>
-            </a:r>
-            <a:r>
-              <a:rPr lang="en-GB" dirty="0" err="1" smtClean="0">
-                <a:solidFill>
-                  <a:srgbClr val="2B91AF"/>
-                </a:solidFill>
-                <a:latin typeface="Consolas" panose="020B0609020204030204" pitchFamily="49" charset="0"/>
-              </a:rPr>
-              <a:t>GeneticAlgorithm</a:t>
-            </a:r>
-            <a:r>
-              <a:rPr lang="en-GB" dirty="0" smtClean="0">
-                <a:solidFill>
-                  <a:srgbClr val="2B91AF"/>
-                </a:solidFill>
-                <a:latin typeface="Consolas" panose="020B0609020204030204" pitchFamily="49" charset="0"/>
-              </a:rPr>
-              <a:t> </a:t>
-            </a:r>
-            <a:r>
-              <a:rPr lang="en-GB" dirty="0" smtClean="0">
-                <a:solidFill>
-                  <a:srgbClr val="000000"/>
-                </a:solidFill>
-                <a:latin typeface="Consolas" panose="020B0609020204030204" pitchFamily="49" charset="0"/>
-              </a:rPr>
-              <a:t>GA = </a:t>
-            </a:r>
-            <a:r>
-              <a:rPr lang="en-GB" dirty="0" smtClean="0">
-                <a:solidFill>
-                  <a:srgbClr val="0000FF"/>
-                </a:solidFill>
-                <a:latin typeface="Consolas" panose="020B0609020204030204" pitchFamily="49" charset="0"/>
-              </a:rPr>
-              <a:t>new</a:t>
-            </a:r>
-            <a:r>
-              <a:rPr lang="en-GB" dirty="0" smtClean="0">
-                <a:solidFill>
-                  <a:srgbClr val="000000"/>
-                </a:solidFill>
-                <a:latin typeface="Consolas" panose="020B0609020204030204" pitchFamily="49" charset="0"/>
-              </a:rPr>
-              <a:t> </a:t>
-            </a:r>
-            <a:r>
-              <a:rPr lang="en-GB" dirty="0" err="1" smtClean="0">
-                <a:solidFill>
-                  <a:srgbClr val="2B91AF"/>
-                </a:solidFill>
-                <a:latin typeface="Consolas" panose="020B0609020204030204" pitchFamily="49" charset="0"/>
-              </a:rPr>
-              <a:t>GeneticAlgorithm</a:t>
-            </a:r>
-            <a:r>
-              <a:rPr lang="en-GB" dirty="0" smtClean="0">
-                <a:solidFill>
-                  <a:srgbClr val="000000"/>
-                </a:solidFill>
-                <a:latin typeface="Consolas" panose="020B0609020204030204" pitchFamily="49" charset="0"/>
-              </a:rPr>
-              <a:t>(1000, </a:t>
-            </a:r>
-            <a:r>
-              <a:rPr lang="en-GB" dirty="0" err="1" smtClean="0">
-                <a:solidFill>
-                  <a:srgbClr val="000000"/>
-                </a:solidFill>
-                <a:latin typeface="Consolas" panose="020B0609020204030204" pitchFamily="49" charset="0"/>
-              </a:rPr>
-              <a:t>rangeFeatures</a:t>
-            </a:r>
-            <a:r>
-              <a:rPr lang="en-GB" dirty="0" smtClean="0">
-                <a:solidFill>
-                  <a:srgbClr val="000000"/>
-                </a:solidFill>
-                <a:latin typeface="Consolas" panose="020B0609020204030204" pitchFamily="49" charset="0"/>
-              </a:rPr>
-              <a:t>, target, </a:t>
-            </a:r>
-            <a:r>
-              <a:rPr lang="en-GB" dirty="0" err="1" smtClean="0">
-                <a:solidFill>
-                  <a:srgbClr val="000000"/>
-                </a:solidFill>
-                <a:latin typeface="Consolas" panose="020B0609020204030204" pitchFamily="49" charset="0"/>
-              </a:rPr>
-              <a:t>xVar</a:t>
-            </a:r>
-            <a:r>
-              <a:rPr lang="en-GB" dirty="0" smtClean="0">
-                <a:solidFill>
-                  <a:srgbClr val="000000"/>
-                </a:solidFill>
-                <a:latin typeface="Consolas" panose="020B0609020204030204" pitchFamily="49" charset="0"/>
-              </a:rPr>
-              <a:t>);</a:t>
-            </a:r>
-          </a:p>
-          <a:p>
-            <a:r>
-              <a:rPr lang="en-GB" dirty="0" smtClean="0">
-                <a:solidFill>
-                  <a:srgbClr val="000000"/>
-                </a:solidFill>
-                <a:latin typeface="Consolas" panose="020B0609020204030204" pitchFamily="49" charset="0"/>
-              </a:rPr>
-              <a:t>            </a:t>
-            </a:r>
-            <a:endParaRPr lang="en-GB" dirty="0" smtClean="0">
-              <a:solidFill>
-                <a:srgbClr val="000000"/>
-              </a:solidFill>
-              <a:latin typeface="Consolas" panose="020B0609020204030204" pitchFamily="49" charset="0"/>
-            </a:endParaRPr>
-          </a:p>
-        </p:txBody>
-      </p:sp>
-      <p:sp>
-        <p:nvSpPr>
-          <p:cNvPr id="63" name="Rectangle 62"/>
-          <p:cNvSpPr/>
-          <p:nvPr/>
-        </p:nvSpPr>
-        <p:spPr>
-          <a:xfrm>
-            <a:off x="732383" y="5526335"/>
-            <a:ext cx="9302547" cy="369332"/>
-          </a:xfrm>
-          <a:prstGeom prst="rect">
-            <a:avLst/>
-          </a:prstGeom>
-        </p:spPr>
-        <p:txBody>
-          <a:bodyPr wrap="none">
-            <a:spAutoFit/>
-          </a:bodyPr>
-          <a:lstStyle/>
-          <a:p>
-            <a:r>
-              <a:rPr lang="en-GB" dirty="0" smtClean="0">
-                <a:solidFill>
-                  <a:srgbClr val="008000"/>
-                </a:solidFill>
-                <a:latin typeface="Consolas" panose="020B0609020204030204" pitchFamily="49" charset="0"/>
-              </a:rPr>
-              <a:t>// </a:t>
-            </a:r>
-            <a:r>
-              <a:rPr lang="en-GB" dirty="0" err="1" smtClean="0">
-                <a:solidFill>
-                  <a:srgbClr val="008000"/>
-                </a:solidFill>
-                <a:latin typeface="Consolas" panose="020B0609020204030204" pitchFamily="49" charset="0"/>
-              </a:rPr>
-              <a:t>GeneticAlgorithm</a:t>
-            </a:r>
-            <a:r>
-              <a:rPr lang="en-GB" dirty="0" smtClean="0">
-                <a:solidFill>
-                  <a:srgbClr val="008000"/>
-                </a:solidFill>
-                <a:latin typeface="Consolas" panose="020B0609020204030204" pitchFamily="49" charset="0"/>
-              </a:rPr>
-              <a:t>( population , range of features , target, x target )</a:t>
-            </a:r>
-            <a:endParaRPr lang="en-GB" dirty="0"/>
-          </a:p>
-        </p:txBody>
-      </p:sp>
-      <p:sp>
-        <p:nvSpPr>
-          <p:cNvPr id="64" name="Rectangle 63"/>
-          <p:cNvSpPr/>
-          <p:nvPr/>
-        </p:nvSpPr>
-        <p:spPr>
-          <a:xfrm>
-            <a:off x="428369" y="4395256"/>
-            <a:ext cx="6096000" cy="646331"/>
-          </a:xfrm>
-          <a:prstGeom prst="rect">
-            <a:avLst/>
-          </a:prstGeom>
-        </p:spPr>
-        <p:txBody>
-          <a:bodyPr>
-            <a:spAutoFit/>
-          </a:bodyPr>
-          <a:lstStyle/>
-          <a:p>
-            <a:r>
-              <a:rPr lang="en-GB" dirty="0" smtClean="0">
-                <a:solidFill>
-                  <a:srgbClr val="0000FF"/>
-                </a:solidFill>
-                <a:latin typeface="Consolas" panose="020B0609020204030204" pitchFamily="49" charset="0"/>
-              </a:rPr>
-              <a:t>double</a:t>
-            </a:r>
-            <a:r>
-              <a:rPr lang="en-GB" dirty="0" smtClean="0">
-                <a:solidFill>
-                  <a:srgbClr val="000000"/>
-                </a:solidFill>
-                <a:latin typeface="Consolas" panose="020B0609020204030204" pitchFamily="49" charset="0"/>
-              </a:rPr>
-              <a:t>[,] target; </a:t>
-            </a:r>
-          </a:p>
-          <a:p>
-            <a:r>
-              <a:rPr lang="en-GB" dirty="0" smtClean="0">
-                <a:solidFill>
-                  <a:srgbClr val="0000FF"/>
-                </a:solidFill>
-                <a:latin typeface="Consolas" panose="020B0609020204030204" pitchFamily="49" charset="0"/>
-              </a:rPr>
-              <a:t>double</a:t>
-            </a:r>
-            <a:r>
-              <a:rPr lang="en-GB" dirty="0" smtClean="0">
-                <a:solidFill>
-                  <a:srgbClr val="000000"/>
-                </a:solidFill>
-                <a:latin typeface="Consolas" panose="020B0609020204030204" pitchFamily="49" charset="0"/>
-              </a:rPr>
-              <a:t>[] </a:t>
-            </a:r>
-            <a:r>
-              <a:rPr lang="en-GB" dirty="0" err="1">
-                <a:solidFill>
-                  <a:srgbClr val="000000"/>
-                </a:solidFill>
-                <a:latin typeface="Consolas" panose="020B0609020204030204" pitchFamily="49" charset="0"/>
-              </a:rPr>
-              <a:t>x</a:t>
-            </a:r>
-            <a:r>
-              <a:rPr lang="en-GB" dirty="0" err="1" smtClean="0">
-                <a:solidFill>
-                  <a:srgbClr val="000000"/>
-                </a:solidFill>
-                <a:latin typeface="Consolas" panose="020B0609020204030204" pitchFamily="49" charset="0"/>
-              </a:rPr>
-              <a:t>Var</a:t>
-            </a:r>
-            <a:r>
-              <a:rPr lang="en-GB" dirty="0" smtClean="0">
-                <a:solidFill>
-                  <a:srgbClr val="000000"/>
-                </a:solidFill>
-                <a:latin typeface="Consolas" panose="020B0609020204030204" pitchFamily="49" charset="0"/>
-              </a:rPr>
-              <a:t>;</a:t>
-            </a:r>
-          </a:p>
-        </p:txBody>
-      </p:sp>
-      <p:sp>
-        <p:nvSpPr>
-          <p:cNvPr id="68" name="Rectangle 67"/>
-          <p:cNvSpPr/>
-          <p:nvPr/>
-        </p:nvSpPr>
-        <p:spPr>
-          <a:xfrm>
-            <a:off x="2750850" y="4397098"/>
-            <a:ext cx="1451038" cy="369332"/>
-          </a:xfrm>
-          <a:prstGeom prst="rect">
-            <a:avLst/>
-          </a:prstGeom>
-        </p:spPr>
-        <p:txBody>
-          <a:bodyPr wrap="none">
-            <a:spAutoFit/>
-          </a:bodyPr>
-          <a:lstStyle/>
-          <a:p>
-            <a:r>
-              <a:rPr lang="en-GB" dirty="0" smtClean="0">
-                <a:solidFill>
-                  <a:srgbClr val="008000"/>
-                </a:solidFill>
-                <a:latin typeface="Consolas" panose="020B0609020204030204" pitchFamily="49" charset="0"/>
-              </a:rPr>
-              <a:t>// Target </a:t>
-            </a:r>
-            <a:endParaRPr lang="en-GB" dirty="0"/>
-          </a:p>
-        </p:txBody>
-      </p:sp>
-      <p:sp>
-        <p:nvSpPr>
-          <p:cNvPr id="71" name="Rectangle 70"/>
-          <p:cNvSpPr/>
-          <p:nvPr/>
-        </p:nvSpPr>
-        <p:spPr>
-          <a:xfrm>
-            <a:off x="2744125" y="4693260"/>
-            <a:ext cx="3097323" cy="369332"/>
-          </a:xfrm>
-          <a:prstGeom prst="rect">
-            <a:avLst/>
-          </a:prstGeom>
-        </p:spPr>
-        <p:txBody>
-          <a:bodyPr wrap="none">
-            <a:spAutoFit/>
-          </a:bodyPr>
-          <a:lstStyle/>
-          <a:p>
-            <a:r>
-              <a:rPr lang="en-GB" dirty="0" smtClean="0">
-                <a:solidFill>
-                  <a:srgbClr val="008000"/>
-                </a:solidFill>
-                <a:latin typeface="Consolas" panose="020B0609020204030204" pitchFamily="49" charset="0"/>
-              </a:rPr>
-              <a:t>// Range of measurement</a:t>
-            </a:r>
-            <a:endParaRPr lang="en-GB" dirty="0"/>
-          </a:p>
-        </p:txBody>
-      </p:sp>
-    </p:spTree>
-    <p:extLst>
-      <p:ext uri="{BB962C8B-B14F-4D97-AF65-F5344CB8AC3E}">
-        <p14:creationId xmlns:p14="http://schemas.microsoft.com/office/powerpoint/2010/main" val="2112707635"/>
-      </p:ext>
-    </p:extLst>
-  </p:cSld>
-  <p:clrMapOvr>
-    <a:masterClrMapping/>
-  </p:clrMapOvr>
+  <p:timing>
+    <p:tnLst>
+      <p:par>
+        <p:cTn id="1" dur="indefinite" restart="never" nodeType="tmRoot"/>
+      </p:par>
+    </p:tnLst>
+  </p:timing>
 </p:sld>
 </file>
 
@@ -6488,13 +6376,1148 @@
       </p:sp>
       <p:sp>
         <p:nvSpPr>
+          <p:cNvPr id="3" name="Rectangle 2"/>
+          <p:cNvSpPr/>
+          <p:nvPr/>
+        </p:nvSpPr>
+        <p:spPr>
+          <a:xfrm>
+            <a:off x="428369" y="1201390"/>
+            <a:ext cx="6096000" cy="646331"/>
+          </a:xfrm>
+          <a:prstGeom prst="rect">
+            <a:avLst/>
+          </a:prstGeom>
+        </p:spPr>
+        <p:txBody>
+          <a:bodyPr>
+            <a:spAutoFit/>
+          </a:bodyPr>
+          <a:lstStyle/>
+          <a:p>
+            <a:r>
+              <a:rPr lang="en-GB" dirty="0" smtClean="0">
+                <a:solidFill>
+                  <a:srgbClr val="0000FF"/>
+                </a:solidFill>
+                <a:latin typeface="Consolas" panose="020B0609020204030204" pitchFamily="49" charset="0"/>
+              </a:rPr>
+              <a:t>double</a:t>
+            </a:r>
+            <a:r>
+              <a:rPr lang="en-GB" dirty="0" smtClean="0">
+                <a:solidFill>
+                  <a:srgbClr val="000000"/>
+                </a:solidFill>
+                <a:latin typeface="Consolas" panose="020B0609020204030204" pitchFamily="49" charset="0"/>
+              </a:rPr>
+              <a:t>[] </a:t>
+            </a:r>
+            <a:r>
+              <a:rPr lang="en-GB" dirty="0" err="1" smtClean="0">
+                <a:solidFill>
+                  <a:srgbClr val="000000"/>
+                </a:solidFill>
+                <a:latin typeface="Consolas" panose="020B0609020204030204" pitchFamily="49" charset="0"/>
+              </a:rPr>
+              <a:t>xVar</a:t>
+            </a:r>
+            <a:r>
+              <a:rPr lang="en-GB" dirty="0" smtClean="0">
+                <a:solidFill>
+                  <a:srgbClr val="000000"/>
+                </a:solidFill>
+                <a:latin typeface="Consolas" panose="020B0609020204030204" pitchFamily="49" charset="0"/>
+              </a:rPr>
+              <a:t>; </a:t>
+            </a:r>
+          </a:p>
+          <a:p>
+            <a:r>
+              <a:rPr lang="en-GB" dirty="0" smtClean="0">
+                <a:solidFill>
+                  <a:srgbClr val="0000FF"/>
+                </a:solidFill>
+                <a:latin typeface="Consolas" panose="020B0609020204030204" pitchFamily="49" charset="0"/>
+              </a:rPr>
+              <a:t>double</a:t>
+            </a:r>
+            <a:r>
+              <a:rPr lang="en-GB" dirty="0" smtClean="0">
+                <a:solidFill>
+                  <a:srgbClr val="000000"/>
+                </a:solidFill>
+                <a:latin typeface="Consolas" panose="020B0609020204030204" pitchFamily="49" charset="0"/>
+              </a:rPr>
+              <a:t>[] </a:t>
+            </a:r>
+            <a:r>
+              <a:rPr lang="en-GB" dirty="0" err="1" smtClean="0">
+                <a:solidFill>
+                  <a:srgbClr val="000000"/>
+                </a:solidFill>
+                <a:latin typeface="Consolas" panose="020B0609020204030204" pitchFamily="49" charset="0"/>
+              </a:rPr>
+              <a:t>yVar</a:t>
+            </a:r>
+            <a:r>
+              <a:rPr lang="en-GB" dirty="0" smtClean="0">
+                <a:solidFill>
+                  <a:srgbClr val="000000"/>
+                </a:solidFill>
+                <a:latin typeface="Consolas" panose="020B0609020204030204" pitchFamily="49" charset="0"/>
+              </a:rPr>
+              <a:t>;</a:t>
+            </a:r>
+          </a:p>
+        </p:txBody>
+      </p:sp>
+      <p:sp>
+        <p:nvSpPr>
+          <p:cNvPr id="5" name="Rectangle 4"/>
+          <p:cNvSpPr/>
+          <p:nvPr/>
+        </p:nvSpPr>
+        <p:spPr>
+          <a:xfrm>
+            <a:off x="428368" y="1880622"/>
+            <a:ext cx="11607113" cy="369332"/>
+          </a:xfrm>
+          <a:prstGeom prst="rect">
+            <a:avLst/>
+          </a:prstGeom>
+        </p:spPr>
+        <p:txBody>
+          <a:bodyPr wrap="square">
+            <a:spAutoFit/>
+          </a:bodyPr>
+          <a:lstStyle/>
+          <a:p>
+            <a:r>
+              <a:rPr lang="en-GB" dirty="0" smtClean="0">
+                <a:solidFill>
+                  <a:srgbClr val="0000FF"/>
+                </a:solidFill>
+                <a:latin typeface="Consolas" panose="020B0609020204030204" pitchFamily="49" charset="0"/>
+              </a:rPr>
+              <a:t>double</a:t>
+            </a:r>
+            <a:r>
+              <a:rPr lang="en-GB" dirty="0" smtClean="0">
+                <a:solidFill>
+                  <a:srgbClr val="000000"/>
+                </a:solidFill>
+                <a:latin typeface="Consolas" panose="020B0609020204030204" pitchFamily="49" charset="0"/>
+              </a:rPr>
+              <a:t>[,] </a:t>
+            </a:r>
+            <a:r>
+              <a:rPr lang="en-GB" dirty="0" err="1" smtClean="0">
+                <a:solidFill>
+                  <a:srgbClr val="000000"/>
+                </a:solidFill>
+                <a:latin typeface="Consolas" panose="020B0609020204030204" pitchFamily="49" charset="0"/>
+              </a:rPr>
+              <a:t>rangeFeatures</a:t>
+            </a:r>
+            <a:r>
+              <a:rPr lang="en-GB" dirty="0" smtClean="0">
+                <a:solidFill>
+                  <a:srgbClr val="000000"/>
+                </a:solidFill>
+                <a:latin typeface="Consolas" panose="020B0609020204030204" pitchFamily="49" charset="0"/>
+              </a:rPr>
+              <a:t> = </a:t>
+            </a:r>
+            <a:r>
+              <a:rPr lang="en-GB" dirty="0" smtClean="0">
+                <a:solidFill>
+                  <a:srgbClr val="0000FF"/>
+                </a:solidFill>
+                <a:latin typeface="Consolas" panose="020B0609020204030204" pitchFamily="49" charset="0"/>
+              </a:rPr>
+              <a:t>new</a:t>
+            </a:r>
+            <a:r>
+              <a:rPr lang="en-GB" dirty="0" smtClean="0">
+                <a:solidFill>
+                  <a:srgbClr val="000000"/>
+                </a:solidFill>
+                <a:latin typeface="Consolas" panose="020B0609020204030204" pitchFamily="49" charset="0"/>
+              </a:rPr>
+              <a:t> </a:t>
+            </a:r>
+            <a:r>
+              <a:rPr lang="en-GB" dirty="0" smtClean="0">
+                <a:solidFill>
+                  <a:srgbClr val="0000FF"/>
+                </a:solidFill>
+                <a:latin typeface="Consolas" panose="020B0609020204030204" pitchFamily="49" charset="0"/>
+              </a:rPr>
+              <a:t>double</a:t>
+            </a:r>
+            <a:r>
+              <a:rPr lang="en-GB" dirty="0" smtClean="0">
+                <a:solidFill>
+                  <a:srgbClr val="000000"/>
+                </a:solidFill>
+                <a:latin typeface="Consolas" panose="020B0609020204030204" pitchFamily="49" charset="0"/>
+              </a:rPr>
+              <a:t>[,] { { 1, 20 }, { 5, 50 }, {1, 20 }, { 0.001, 3.5 } };</a:t>
+            </a:r>
+            <a:endParaRPr lang="en-GB" dirty="0"/>
+          </a:p>
+        </p:txBody>
+      </p:sp>
+      <p:sp>
+        <p:nvSpPr>
+          <p:cNvPr id="6" name="Rectangle 5"/>
+          <p:cNvSpPr/>
+          <p:nvPr/>
+        </p:nvSpPr>
+        <p:spPr>
+          <a:xfrm>
+            <a:off x="2425328" y="1247901"/>
+            <a:ext cx="1451038" cy="369332"/>
+          </a:xfrm>
+          <a:prstGeom prst="rect">
+            <a:avLst/>
+          </a:prstGeom>
+        </p:spPr>
+        <p:txBody>
+          <a:bodyPr wrap="none">
+            <a:spAutoFit/>
+          </a:bodyPr>
+          <a:lstStyle/>
+          <a:p>
+            <a:r>
+              <a:rPr lang="en-GB" dirty="0" smtClean="0">
+                <a:solidFill>
+                  <a:srgbClr val="008000"/>
+                </a:solidFill>
+                <a:latin typeface="Consolas" panose="020B0609020204030204" pitchFamily="49" charset="0"/>
+              </a:rPr>
+              <a:t>// Target </a:t>
+            </a:r>
+            <a:endParaRPr lang="en-GB" dirty="0"/>
+          </a:p>
+        </p:txBody>
+      </p:sp>
+      <p:sp>
+        <p:nvSpPr>
+          <p:cNvPr id="56" name="Rectangle 55"/>
+          <p:cNvSpPr/>
+          <p:nvPr/>
+        </p:nvSpPr>
+        <p:spPr>
+          <a:xfrm>
+            <a:off x="2425328" y="1530664"/>
+            <a:ext cx="1324402" cy="369332"/>
+          </a:xfrm>
+          <a:prstGeom prst="rect">
+            <a:avLst/>
+          </a:prstGeom>
+        </p:spPr>
+        <p:txBody>
+          <a:bodyPr wrap="none">
+            <a:spAutoFit/>
+          </a:bodyPr>
+          <a:lstStyle/>
+          <a:p>
+            <a:r>
+              <a:rPr lang="en-GB" dirty="0" smtClean="0">
+                <a:solidFill>
+                  <a:srgbClr val="008000"/>
+                </a:solidFill>
+                <a:latin typeface="Consolas" panose="020B0609020204030204" pitchFamily="49" charset="0"/>
+              </a:rPr>
+              <a:t>// Target</a:t>
+            </a:r>
+            <a:endParaRPr lang="en-GB" dirty="0"/>
+          </a:p>
+        </p:txBody>
+      </p:sp>
+      <p:sp>
+        <p:nvSpPr>
+          <p:cNvPr id="7" name="Rectangle 6"/>
+          <p:cNvSpPr/>
+          <p:nvPr/>
+        </p:nvSpPr>
+        <p:spPr>
+          <a:xfrm>
+            <a:off x="252494" y="2664763"/>
+            <a:ext cx="10240872" cy="646331"/>
+          </a:xfrm>
+          <a:prstGeom prst="rect">
+            <a:avLst/>
+          </a:prstGeom>
+        </p:spPr>
+        <p:txBody>
+          <a:bodyPr wrap="square">
+            <a:spAutoFit/>
+          </a:bodyPr>
+          <a:lstStyle/>
+          <a:p>
+            <a:r>
+              <a:rPr lang="en-GB" dirty="0" smtClean="0">
+                <a:solidFill>
+                  <a:srgbClr val="000000"/>
+                </a:solidFill>
+                <a:latin typeface="Consolas" panose="020B0609020204030204" pitchFamily="49" charset="0"/>
+              </a:rPr>
+              <a:t> </a:t>
+            </a:r>
+            <a:r>
+              <a:rPr lang="en-GB" dirty="0" err="1" smtClean="0">
+                <a:solidFill>
+                  <a:srgbClr val="2B91AF"/>
+                </a:solidFill>
+                <a:latin typeface="Consolas" panose="020B0609020204030204" pitchFamily="49" charset="0"/>
+              </a:rPr>
+              <a:t>GeneticAlgorithm</a:t>
+            </a:r>
+            <a:r>
+              <a:rPr lang="en-GB" dirty="0" smtClean="0">
+                <a:solidFill>
+                  <a:srgbClr val="2B91AF"/>
+                </a:solidFill>
+                <a:latin typeface="Consolas" panose="020B0609020204030204" pitchFamily="49" charset="0"/>
+              </a:rPr>
+              <a:t> </a:t>
+            </a:r>
+            <a:r>
+              <a:rPr lang="en-GB" dirty="0" smtClean="0">
+                <a:solidFill>
+                  <a:srgbClr val="000000"/>
+                </a:solidFill>
+                <a:latin typeface="Consolas" panose="020B0609020204030204" pitchFamily="49" charset="0"/>
+              </a:rPr>
+              <a:t>GA = </a:t>
+            </a:r>
+            <a:r>
+              <a:rPr lang="en-GB" dirty="0" smtClean="0">
+                <a:solidFill>
+                  <a:srgbClr val="0000FF"/>
+                </a:solidFill>
+                <a:latin typeface="Consolas" panose="020B0609020204030204" pitchFamily="49" charset="0"/>
+              </a:rPr>
+              <a:t>new</a:t>
+            </a:r>
+            <a:r>
+              <a:rPr lang="en-GB" dirty="0" smtClean="0">
+                <a:solidFill>
+                  <a:srgbClr val="000000"/>
+                </a:solidFill>
+                <a:latin typeface="Consolas" panose="020B0609020204030204" pitchFamily="49" charset="0"/>
+              </a:rPr>
+              <a:t> </a:t>
+            </a:r>
+            <a:r>
+              <a:rPr lang="en-GB" dirty="0" err="1" smtClean="0">
+                <a:solidFill>
+                  <a:srgbClr val="2B91AF"/>
+                </a:solidFill>
+                <a:latin typeface="Consolas" panose="020B0609020204030204" pitchFamily="49" charset="0"/>
+              </a:rPr>
+              <a:t>GeneticAlgorithm</a:t>
+            </a:r>
+            <a:r>
+              <a:rPr lang="en-GB" dirty="0" smtClean="0">
+                <a:solidFill>
+                  <a:srgbClr val="000000"/>
+                </a:solidFill>
+                <a:latin typeface="Consolas" panose="020B0609020204030204" pitchFamily="49" charset="0"/>
+              </a:rPr>
+              <a:t>(1000, </a:t>
+            </a:r>
+            <a:r>
+              <a:rPr lang="en-GB" dirty="0" err="1" smtClean="0">
+                <a:solidFill>
+                  <a:srgbClr val="000000"/>
+                </a:solidFill>
+                <a:latin typeface="Consolas" panose="020B0609020204030204" pitchFamily="49" charset="0"/>
+              </a:rPr>
+              <a:t>rangeFeatures</a:t>
+            </a:r>
+            <a:r>
+              <a:rPr lang="en-GB" dirty="0" smtClean="0">
+                <a:solidFill>
+                  <a:srgbClr val="000000"/>
+                </a:solidFill>
+                <a:latin typeface="Consolas" panose="020B0609020204030204" pitchFamily="49" charset="0"/>
+              </a:rPr>
+              <a:t>, </a:t>
+            </a:r>
+            <a:r>
+              <a:rPr lang="en-GB" dirty="0" err="1" smtClean="0">
+                <a:solidFill>
+                  <a:srgbClr val="000000"/>
+                </a:solidFill>
+                <a:latin typeface="Consolas" panose="020B0609020204030204" pitchFamily="49" charset="0"/>
+              </a:rPr>
+              <a:t>xVar</a:t>
+            </a:r>
+            <a:r>
+              <a:rPr lang="en-GB" dirty="0" smtClean="0">
+                <a:solidFill>
+                  <a:srgbClr val="000000"/>
+                </a:solidFill>
+                <a:latin typeface="Consolas" panose="020B0609020204030204" pitchFamily="49" charset="0"/>
+              </a:rPr>
+              <a:t>, </a:t>
+            </a:r>
+            <a:r>
+              <a:rPr lang="en-GB" dirty="0" err="1" smtClean="0">
+                <a:solidFill>
+                  <a:srgbClr val="000000"/>
+                </a:solidFill>
+                <a:latin typeface="Consolas" panose="020B0609020204030204" pitchFamily="49" charset="0"/>
+              </a:rPr>
+              <a:t>yVar</a:t>
+            </a:r>
+            <a:r>
+              <a:rPr lang="en-GB" dirty="0" smtClean="0">
+                <a:solidFill>
+                  <a:srgbClr val="000000"/>
+                </a:solidFill>
+                <a:latin typeface="Consolas" panose="020B0609020204030204" pitchFamily="49" charset="0"/>
+              </a:rPr>
+              <a:t>);</a:t>
+            </a:r>
+          </a:p>
+          <a:p>
+            <a:r>
+              <a:rPr lang="en-GB" dirty="0" smtClean="0">
+                <a:solidFill>
+                  <a:srgbClr val="000000"/>
+                </a:solidFill>
+                <a:latin typeface="Consolas" panose="020B0609020204030204" pitchFamily="49" charset="0"/>
+              </a:rPr>
+              <a:t>            </a:t>
+            </a:r>
+            <a:endParaRPr lang="en-GB" dirty="0" smtClean="0">
+              <a:solidFill>
+                <a:srgbClr val="000000"/>
+              </a:solidFill>
+              <a:latin typeface="Consolas" panose="020B0609020204030204" pitchFamily="49" charset="0"/>
+            </a:endParaRPr>
+          </a:p>
+        </p:txBody>
+      </p:sp>
+      <p:sp>
+        <p:nvSpPr>
+          <p:cNvPr id="60" name="Rectangle 59"/>
+          <p:cNvSpPr/>
+          <p:nvPr/>
+        </p:nvSpPr>
+        <p:spPr>
+          <a:xfrm>
+            <a:off x="732383" y="2968994"/>
+            <a:ext cx="9555821" cy="369332"/>
+          </a:xfrm>
+          <a:prstGeom prst="rect">
+            <a:avLst/>
+          </a:prstGeom>
+        </p:spPr>
+        <p:txBody>
+          <a:bodyPr wrap="none">
+            <a:spAutoFit/>
+          </a:bodyPr>
+          <a:lstStyle/>
+          <a:p>
+            <a:r>
+              <a:rPr lang="en-GB" dirty="0" smtClean="0">
+                <a:solidFill>
+                  <a:srgbClr val="008000"/>
+                </a:solidFill>
+                <a:latin typeface="Consolas" panose="020B0609020204030204" pitchFamily="49" charset="0"/>
+              </a:rPr>
+              <a:t>// </a:t>
+            </a:r>
+            <a:r>
+              <a:rPr lang="en-GB" dirty="0" err="1" smtClean="0">
+                <a:solidFill>
+                  <a:srgbClr val="008000"/>
+                </a:solidFill>
+                <a:latin typeface="Consolas" panose="020B0609020204030204" pitchFamily="49" charset="0"/>
+              </a:rPr>
+              <a:t>GeneticAlgorithm</a:t>
+            </a:r>
+            <a:r>
+              <a:rPr lang="en-GB" dirty="0" smtClean="0">
+                <a:solidFill>
+                  <a:srgbClr val="008000"/>
+                </a:solidFill>
+                <a:latin typeface="Consolas" panose="020B0609020204030204" pitchFamily="49" charset="0"/>
+              </a:rPr>
+              <a:t>( population , range of features , x target , y target)</a:t>
+            </a:r>
+            <a:endParaRPr lang="en-GB" dirty="0"/>
+          </a:p>
+        </p:txBody>
+      </p:sp>
+      <p:sp>
+        <p:nvSpPr>
+          <p:cNvPr id="62" name="Rectangle 61"/>
+          <p:cNvSpPr/>
+          <p:nvPr/>
+        </p:nvSpPr>
+        <p:spPr>
+          <a:xfrm>
+            <a:off x="252494" y="5203170"/>
+            <a:ext cx="11066296" cy="646331"/>
+          </a:xfrm>
+          <a:prstGeom prst="rect">
+            <a:avLst/>
+          </a:prstGeom>
+        </p:spPr>
+        <p:txBody>
+          <a:bodyPr wrap="square">
+            <a:spAutoFit/>
+          </a:bodyPr>
+          <a:lstStyle/>
+          <a:p>
+            <a:r>
+              <a:rPr lang="en-GB" dirty="0" smtClean="0">
+                <a:solidFill>
+                  <a:srgbClr val="000000"/>
+                </a:solidFill>
+                <a:latin typeface="Consolas" panose="020B0609020204030204" pitchFamily="49" charset="0"/>
+              </a:rPr>
+              <a:t> </a:t>
+            </a:r>
+            <a:r>
+              <a:rPr lang="en-GB" dirty="0" err="1" smtClean="0">
+                <a:solidFill>
+                  <a:srgbClr val="2B91AF"/>
+                </a:solidFill>
+                <a:latin typeface="Consolas" panose="020B0609020204030204" pitchFamily="49" charset="0"/>
+              </a:rPr>
+              <a:t>GeneticAlgorithm</a:t>
+            </a:r>
+            <a:r>
+              <a:rPr lang="en-GB" dirty="0" smtClean="0">
+                <a:solidFill>
+                  <a:srgbClr val="2B91AF"/>
+                </a:solidFill>
+                <a:latin typeface="Consolas" panose="020B0609020204030204" pitchFamily="49" charset="0"/>
+              </a:rPr>
+              <a:t> </a:t>
+            </a:r>
+            <a:r>
+              <a:rPr lang="en-GB" dirty="0" smtClean="0">
+                <a:solidFill>
+                  <a:srgbClr val="000000"/>
+                </a:solidFill>
+                <a:latin typeface="Consolas" panose="020B0609020204030204" pitchFamily="49" charset="0"/>
+              </a:rPr>
+              <a:t>GA = </a:t>
+            </a:r>
+            <a:r>
+              <a:rPr lang="en-GB" dirty="0" smtClean="0">
+                <a:solidFill>
+                  <a:srgbClr val="0000FF"/>
+                </a:solidFill>
+                <a:latin typeface="Consolas" panose="020B0609020204030204" pitchFamily="49" charset="0"/>
+              </a:rPr>
+              <a:t>new</a:t>
+            </a:r>
+            <a:r>
+              <a:rPr lang="en-GB" dirty="0" smtClean="0">
+                <a:solidFill>
+                  <a:srgbClr val="000000"/>
+                </a:solidFill>
+                <a:latin typeface="Consolas" panose="020B0609020204030204" pitchFamily="49" charset="0"/>
+              </a:rPr>
+              <a:t> </a:t>
+            </a:r>
+            <a:r>
+              <a:rPr lang="en-GB" dirty="0" err="1" smtClean="0">
+                <a:solidFill>
+                  <a:srgbClr val="2B91AF"/>
+                </a:solidFill>
+                <a:latin typeface="Consolas" panose="020B0609020204030204" pitchFamily="49" charset="0"/>
+              </a:rPr>
+              <a:t>GeneticAlgorithm</a:t>
+            </a:r>
+            <a:r>
+              <a:rPr lang="en-GB" dirty="0" smtClean="0">
+                <a:solidFill>
+                  <a:srgbClr val="000000"/>
+                </a:solidFill>
+                <a:latin typeface="Consolas" panose="020B0609020204030204" pitchFamily="49" charset="0"/>
+              </a:rPr>
+              <a:t>(1000, </a:t>
+            </a:r>
+            <a:r>
+              <a:rPr lang="en-GB" dirty="0" err="1" smtClean="0">
+                <a:solidFill>
+                  <a:srgbClr val="000000"/>
+                </a:solidFill>
+                <a:latin typeface="Consolas" panose="020B0609020204030204" pitchFamily="49" charset="0"/>
+              </a:rPr>
+              <a:t>rangeFeatures</a:t>
+            </a:r>
+            <a:r>
+              <a:rPr lang="en-GB" dirty="0" smtClean="0">
+                <a:solidFill>
+                  <a:srgbClr val="000000"/>
+                </a:solidFill>
+                <a:latin typeface="Consolas" panose="020B0609020204030204" pitchFamily="49" charset="0"/>
+              </a:rPr>
+              <a:t>, target, </a:t>
+            </a:r>
+            <a:r>
+              <a:rPr lang="en-GB" dirty="0" err="1" smtClean="0">
+                <a:solidFill>
+                  <a:srgbClr val="000000"/>
+                </a:solidFill>
+                <a:latin typeface="Consolas" panose="020B0609020204030204" pitchFamily="49" charset="0"/>
+              </a:rPr>
+              <a:t>xVar</a:t>
+            </a:r>
+            <a:r>
+              <a:rPr lang="en-GB" dirty="0" smtClean="0">
+                <a:solidFill>
+                  <a:srgbClr val="000000"/>
+                </a:solidFill>
+                <a:latin typeface="Consolas" panose="020B0609020204030204" pitchFamily="49" charset="0"/>
+              </a:rPr>
+              <a:t>);</a:t>
+            </a:r>
+          </a:p>
+          <a:p>
+            <a:r>
+              <a:rPr lang="en-GB" dirty="0" smtClean="0">
+                <a:solidFill>
+                  <a:srgbClr val="000000"/>
+                </a:solidFill>
+                <a:latin typeface="Consolas" panose="020B0609020204030204" pitchFamily="49" charset="0"/>
+              </a:rPr>
+              <a:t>            </a:t>
+            </a:r>
+            <a:endParaRPr lang="en-GB" dirty="0" smtClean="0">
+              <a:solidFill>
+                <a:srgbClr val="000000"/>
+              </a:solidFill>
+              <a:latin typeface="Consolas" panose="020B0609020204030204" pitchFamily="49" charset="0"/>
+            </a:endParaRPr>
+          </a:p>
+        </p:txBody>
+      </p:sp>
+      <p:sp>
+        <p:nvSpPr>
+          <p:cNvPr id="63" name="Rectangle 62"/>
+          <p:cNvSpPr/>
+          <p:nvPr/>
+        </p:nvSpPr>
+        <p:spPr>
+          <a:xfrm>
+            <a:off x="732383" y="5526335"/>
+            <a:ext cx="9302547" cy="369332"/>
+          </a:xfrm>
+          <a:prstGeom prst="rect">
+            <a:avLst/>
+          </a:prstGeom>
+        </p:spPr>
+        <p:txBody>
+          <a:bodyPr wrap="none">
+            <a:spAutoFit/>
+          </a:bodyPr>
+          <a:lstStyle/>
+          <a:p>
+            <a:r>
+              <a:rPr lang="en-GB" dirty="0" smtClean="0">
+                <a:solidFill>
+                  <a:srgbClr val="008000"/>
+                </a:solidFill>
+                <a:latin typeface="Consolas" panose="020B0609020204030204" pitchFamily="49" charset="0"/>
+              </a:rPr>
+              <a:t>// </a:t>
+            </a:r>
+            <a:r>
+              <a:rPr lang="en-GB" dirty="0" err="1" smtClean="0">
+                <a:solidFill>
+                  <a:srgbClr val="008000"/>
+                </a:solidFill>
+                <a:latin typeface="Consolas" panose="020B0609020204030204" pitchFamily="49" charset="0"/>
+              </a:rPr>
+              <a:t>GeneticAlgorithm</a:t>
+            </a:r>
+            <a:r>
+              <a:rPr lang="en-GB" dirty="0" smtClean="0">
+                <a:solidFill>
+                  <a:srgbClr val="008000"/>
+                </a:solidFill>
+                <a:latin typeface="Consolas" panose="020B0609020204030204" pitchFamily="49" charset="0"/>
+              </a:rPr>
+              <a:t>( population , range of features , target, x target )</a:t>
+            </a:r>
+            <a:endParaRPr lang="en-GB" dirty="0"/>
+          </a:p>
+        </p:txBody>
+      </p:sp>
+      <p:sp>
+        <p:nvSpPr>
+          <p:cNvPr id="64" name="Rectangle 63"/>
+          <p:cNvSpPr/>
+          <p:nvPr/>
+        </p:nvSpPr>
+        <p:spPr>
+          <a:xfrm>
+            <a:off x="428369" y="4395256"/>
+            <a:ext cx="6096000" cy="646331"/>
+          </a:xfrm>
+          <a:prstGeom prst="rect">
+            <a:avLst/>
+          </a:prstGeom>
+        </p:spPr>
+        <p:txBody>
+          <a:bodyPr>
+            <a:spAutoFit/>
+          </a:bodyPr>
+          <a:lstStyle/>
+          <a:p>
+            <a:r>
+              <a:rPr lang="en-GB" dirty="0" smtClean="0">
+                <a:solidFill>
+                  <a:srgbClr val="0000FF"/>
+                </a:solidFill>
+                <a:latin typeface="Consolas" panose="020B0609020204030204" pitchFamily="49" charset="0"/>
+              </a:rPr>
+              <a:t>double</a:t>
+            </a:r>
+            <a:r>
+              <a:rPr lang="en-GB" dirty="0" smtClean="0">
+                <a:solidFill>
+                  <a:srgbClr val="000000"/>
+                </a:solidFill>
+                <a:latin typeface="Consolas" panose="020B0609020204030204" pitchFamily="49" charset="0"/>
+              </a:rPr>
+              <a:t>[,] target; </a:t>
+            </a:r>
+          </a:p>
+          <a:p>
+            <a:r>
+              <a:rPr lang="en-GB" dirty="0" smtClean="0">
+                <a:solidFill>
+                  <a:srgbClr val="0000FF"/>
+                </a:solidFill>
+                <a:latin typeface="Consolas" panose="020B0609020204030204" pitchFamily="49" charset="0"/>
+              </a:rPr>
+              <a:t>double</a:t>
+            </a:r>
+            <a:r>
+              <a:rPr lang="en-GB" dirty="0" smtClean="0">
+                <a:solidFill>
+                  <a:srgbClr val="000000"/>
+                </a:solidFill>
+                <a:latin typeface="Consolas" panose="020B0609020204030204" pitchFamily="49" charset="0"/>
+              </a:rPr>
+              <a:t>[] </a:t>
+            </a:r>
+            <a:r>
+              <a:rPr lang="en-GB" dirty="0" err="1">
+                <a:solidFill>
+                  <a:srgbClr val="000000"/>
+                </a:solidFill>
+                <a:latin typeface="Consolas" panose="020B0609020204030204" pitchFamily="49" charset="0"/>
+              </a:rPr>
+              <a:t>x</a:t>
+            </a:r>
+            <a:r>
+              <a:rPr lang="en-GB" dirty="0" err="1" smtClean="0">
+                <a:solidFill>
+                  <a:srgbClr val="000000"/>
+                </a:solidFill>
+                <a:latin typeface="Consolas" panose="020B0609020204030204" pitchFamily="49" charset="0"/>
+              </a:rPr>
+              <a:t>Var</a:t>
+            </a:r>
+            <a:r>
+              <a:rPr lang="en-GB" dirty="0" smtClean="0">
+                <a:solidFill>
+                  <a:srgbClr val="000000"/>
+                </a:solidFill>
+                <a:latin typeface="Consolas" panose="020B0609020204030204" pitchFamily="49" charset="0"/>
+              </a:rPr>
+              <a:t>;</a:t>
+            </a:r>
+          </a:p>
+        </p:txBody>
+      </p:sp>
+      <p:sp>
+        <p:nvSpPr>
+          <p:cNvPr id="68" name="Rectangle 67"/>
+          <p:cNvSpPr/>
+          <p:nvPr/>
+        </p:nvSpPr>
+        <p:spPr>
+          <a:xfrm>
+            <a:off x="2750850" y="4397098"/>
+            <a:ext cx="1451038" cy="369332"/>
+          </a:xfrm>
+          <a:prstGeom prst="rect">
+            <a:avLst/>
+          </a:prstGeom>
+        </p:spPr>
+        <p:txBody>
+          <a:bodyPr wrap="none">
+            <a:spAutoFit/>
+          </a:bodyPr>
+          <a:lstStyle/>
+          <a:p>
+            <a:r>
+              <a:rPr lang="en-GB" dirty="0" smtClean="0">
+                <a:solidFill>
+                  <a:srgbClr val="008000"/>
+                </a:solidFill>
+                <a:latin typeface="Consolas" panose="020B0609020204030204" pitchFamily="49" charset="0"/>
+              </a:rPr>
+              <a:t>// Target </a:t>
+            </a:r>
+            <a:endParaRPr lang="en-GB" dirty="0"/>
+          </a:p>
+        </p:txBody>
+      </p:sp>
+      <p:sp>
+        <p:nvSpPr>
+          <p:cNvPr id="71" name="Rectangle 70"/>
+          <p:cNvSpPr/>
+          <p:nvPr/>
+        </p:nvSpPr>
+        <p:spPr>
+          <a:xfrm>
+            <a:off x="2744125" y="4693260"/>
+            <a:ext cx="3097323" cy="369332"/>
+          </a:xfrm>
+          <a:prstGeom prst="rect">
+            <a:avLst/>
+          </a:prstGeom>
+        </p:spPr>
+        <p:txBody>
+          <a:bodyPr wrap="none">
+            <a:spAutoFit/>
+          </a:bodyPr>
+          <a:lstStyle/>
+          <a:p>
+            <a:r>
+              <a:rPr lang="en-GB" dirty="0" smtClean="0">
+                <a:solidFill>
+                  <a:srgbClr val="008000"/>
+                </a:solidFill>
+                <a:latin typeface="Consolas" panose="020B0609020204030204" pitchFamily="49" charset="0"/>
+              </a:rPr>
+              <a:t>// Range of measurement</a:t>
+            </a:r>
+            <a:endParaRPr lang="en-GB" dirty="0"/>
+          </a:p>
+        </p:txBody>
+      </p:sp>
+      <p:grpSp>
+        <p:nvGrpSpPr>
+          <p:cNvPr id="90" name="Group 89"/>
+          <p:cNvGrpSpPr/>
+          <p:nvPr/>
+        </p:nvGrpSpPr>
+        <p:grpSpPr>
+          <a:xfrm>
+            <a:off x="0" y="6408446"/>
+            <a:ext cx="11982655" cy="439639"/>
+            <a:chOff x="0" y="6408446"/>
+            <a:chExt cx="11982655" cy="439639"/>
+          </a:xfrm>
+        </p:grpSpPr>
+        <p:grpSp>
+          <p:nvGrpSpPr>
+            <p:cNvPr id="91" name="Group 90"/>
+            <p:cNvGrpSpPr/>
+            <p:nvPr/>
+          </p:nvGrpSpPr>
+          <p:grpSpPr>
+            <a:xfrm>
+              <a:off x="0" y="6408446"/>
+              <a:ext cx="11982655" cy="439639"/>
+              <a:chOff x="0" y="6408446"/>
+              <a:chExt cx="11982655" cy="439639"/>
+            </a:xfrm>
+          </p:grpSpPr>
+          <p:sp>
+            <p:nvSpPr>
+              <p:cNvPr id="93" name="Title 1"/>
+              <p:cNvSpPr txBox="1">
+                <a:spLocks/>
+              </p:cNvSpPr>
+              <p:nvPr/>
+            </p:nvSpPr>
+            <p:spPr>
+              <a:xfrm>
+                <a:off x="0" y="6408446"/>
+                <a:ext cx="10922000" cy="439639"/>
+              </a:xfrm>
+              <a:prstGeom prst="rect">
+                <a:avLst/>
+              </a:prstGeom>
+            </p:spPr>
+            <p:txBody>
+              <a:bodyPr vert="horz" lIns="91440" tIns="45720" rIns="91440" bIns="45720" rtlCol="0" anchor="ctr">
+                <a:normAutofit fontScale="77500" lnSpcReduction="20000"/>
+              </a:bodyPr>
+              <a:lstStyle>
+                <a:lvl1pPr algn="l" defTabSz="914400" rtl="0" eaLnBrk="1" latinLnBrk="0" hangingPunct="1">
+                  <a:lnSpc>
+                    <a:spcPct val="90000"/>
+                  </a:lnSpc>
+                  <a:spcBef>
+                    <a:spcPct val="0"/>
+                  </a:spcBef>
+                  <a:buNone/>
+                  <a:defRPr sz="4400" kern="1200">
+                    <a:solidFill>
+                      <a:schemeClr val="tx1"/>
+                    </a:solidFill>
+                    <a:latin typeface="+mj-lt"/>
+                    <a:ea typeface="+mj-ea"/>
+                    <a:cs typeface="+mj-cs"/>
+                  </a:defRPr>
+                </a:lvl1pPr>
+              </a:lstStyle>
+              <a:p>
+                <a:pPr algn="r"/>
+                <a:r>
+                  <a:rPr lang="en-US" sz="2000" b="1" dirty="0" err="1" smtClean="0"/>
+                  <a:t>Gaona</a:t>
+                </a:r>
+                <a:r>
+                  <a:rPr lang="en-US" sz="2000" b="1" dirty="0" smtClean="0"/>
+                  <a:t> </a:t>
+                </a:r>
+                <a:r>
+                  <a:rPr lang="en-US" sz="2000" b="1" dirty="0" err="1" smtClean="0"/>
+                  <a:t>Andr</a:t>
+                </a:r>
+                <a:r>
+                  <a:rPr lang="es-EC" sz="2000" b="1" dirty="0" err="1" smtClean="0"/>
+                  <a:t>és</a:t>
+                </a:r>
+                <a:r>
+                  <a:rPr lang="es-EC" sz="2000" b="1" dirty="0"/>
+                  <a:t> </a:t>
+                </a:r>
+                <a:r>
+                  <a:rPr lang="es-EC" sz="2000" b="1" dirty="0" smtClean="0"/>
+                  <a:t>   </a:t>
+                </a:r>
+              </a:p>
+              <a:p>
+                <a:pPr algn="r"/>
+                <a:r>
+                  <a:rPr lang="es-EC" sz="2000" b="1" dirty="0" smtClean="0"/>
+                  <a:t>Solarte Enrique</a:t>
+                </a:r>
+                <a:endParaRPr lang="en-GB" sz="2000" b="1" dirty="0"/>
+              </a:p>
+            </p:txBody>
+          </p:sp>
+          <p:pic>
+            <p:nvPicPr>
+              <p:cNvPr id="94" name="Picture 14" descr="Image result for Ecuador flag"/>
+              <p:cNvPicPr>
+                <a:picLocks noChangeAspect="1" noChangeArrowheads="1"/>
+              </p:cNvPicPr>
+              <p:nvPr/>
+            </p:nvPicPr>
+            <p:blipFill>
+              <a:blip r:embed="rId2" cstate="print">
+                <a:extLst>
+                  <a:ext uri="{28A0092B-C50C-407E-A947-70E740481C1C}">
+                    <a14:useLocalDpi xmlns:a14="http://schemas.microsoft.com/office/drawing/2010/main" val="0"/>
+                  </a:ext>
+                </a:extLst>
+              </a:blip>
+              <a:srcRect/>
+              <a:stretch>
+                <a:fillRect/>
+              </a:stretch>
+            </p:blipFill>
+            <p:spPr bwMode="auto">
+              <a:xfrm>
+                <a:off x="10935615" y="6430580"/>
+                <a:ext cx="496970" cy="331314"/>
+              </a:xfrm>
+              <a:prstGeom prst="rect">
+                <a:avLst/>
+              </a:prstGeom>
+              <a:noFill/>
+              <a:extLst>
+                <a:ext uri="{909E8E84-426E-40DD-AFC4-6F175D3DCCD1}">
+                  <a14:hiddenFill xmlns:a14="http://schemas.microsoft.com/office/drawing/2010/main">
+                    <a:solidFill>
+                      <a:srgbClr val="FFFFFF"/>
+                    </a:solidFill>
+                  </a14:hiddenFill>
+                </a:ext>
+              </a:extLst>
+            </p:spPr>
+          </p:pic>
+          <p:pic>
+            <p:nvPicPr>
+              <p:cNvPr id="95" name="Picture 16" descr="Image result for Taiwan"/>
+              <p:cNvPicPr>
+                <a:picLocks noChangeAspect="1" noChangeArrowheads="1"/>
+              </p:cNvPicPr>
+              <p:nvPr/>
+            </p:nvPicPr>
+            <p:blipFill>
+              <a:blip r:embed="rId3" cstate="print">
+                <a:extLst>
+                  <a:ext uri="{28A0092B-C50C-407E-A947-70E740481C1C}">
+                    <a14:useLocalDpi xmlns:a14="http://schemas.microsoft.com/office/drawing/2010/main" val="0"/>
+                  </a:ext>
+                </a:extLst>
+              </a:blip>
+              <a:srcRect/>
+              <a:stretch>
+                <a:fillRect/>
+              </a:stretch>
+            </p:blipFill>
+            <p:spPr bwMode="auto">
+              <a:xfrm>
+                <a:off x="11486304" y="6430580"/>
+                <a:ext cx="496351" cy="331314"/>
+              </a:xfrm>
+              <a:prstGeom prst="rect">
+                <a:avLst/>
+              </a:prstGeom>
+              <a:noFill/>
+              <a:extLst>
+                <a:ext uri="{909E8E84-426E-40DD-AFC4-6F175D3DCCD1}">
+                  <a14:hiddenFill xmlns:a14="http://schemas.microsoft.com/office/drawing/2010/main">
+                    <a:solidFill>
+                      <a:srgbClr val="FFFFFF"/>
+                    </a:solidFill>
+                  </a14:hiddenFill>
+                </a:ext>
+              </a:extLst>
+            </p:spPr>
+          </p:pic>
+        </p:grpSp>
+        <p:pic>
+          <p:nvPicPr>
+            <p:cNvPr id="92" name="Picture 2" descr="Image result for ITRI"/>
+            <p:cNvPicPr>
+              <a:picLocks noChangeAspect="1" noChangeArrowheads="1"/>
+            </p:cNvPicPr>
+            <p:nvPr/>
+          </p:nvPicPr>
+          <p:blipFill>
+            <a:blip r:embed="rId4" cstate="print">
+              <a:extLst>
+                <a:ext uri="{28A0092B-C50C-407E-A947-70E740481C1C}">
+                  <a14:useLocalDpi xmlns:a14="http://schemas.microsoft.com/office/drawing/2010/main" val="0"/>
+                </a:ext>
+              </a:extLst>
+            </a:blip>
+            <a:srcRect/>
+            <a:stretch>
+              <a:fillRect/>
+            </a:stretch>
+          </p:blipFill>
+          <p:spPr bwMode="auto">
+            <a:xfrm>
+              <a:off x="96547" y="6436074"/>
+              <a:ext cx="1143820" cy="363255"/>
+            </a:xfrm>
+            <a:prstGeom prst="rect">
+              <a:avLst/>
+            </a:prstGeom>
+            <a:noFill/>
+            <a:extLst>
+              <a:ext uri="{909E8E84-426E-40DD-AFC4-6F175D3DCCD1}">
+                <a14:hiddenFill xmlns:a14="http://schemas.microsoft.com/office/drawing/2010/main">
+                  <a:solidFill>
+                    <a:srgbClr val="FFFFFF"/>
+                  </a:solidFill>
+                </a14:hiddenFill>
+              </a:ext>
+            </a:extLst>
+          </p:spPr>
+        </p:pic>
+      </p:grpSp>
+    </p:spTree>
+    <p:extLst>
+      <p:ext uri="{BB962C8B-B14F-4D97-AF65-F5344CB8AC3E}">
+        <p14:creationId xmlns:p14="http://schemas.microsoft.com/office/powerpoint/2010/main" val="2112707635"/>
+      </p:ext>
+    </p:extLst>
+  </p:cSld>
+  <p:clrMapOvr>
+    <a:masterClrMapping/>
+  </p:clrMapOvr>
+  <p:timing>
+    <p:tnLst>
+      <p:par>
+        <p:cTn id="1" dur="indefinite" restart="never" nodeType="tmRoot"/>
+      </p:par>
+    </p:tnLst>
+  </p:timing>
+</p:sld>
+</file>
+
+<file path=ppt/slides/slide5.xml><?xml version="1.0" encoding="utf-8"?>
+<p:sld xmlns:a="http://schemas.openxmlformats.org/drawingml/2006/main" xmlns:r="http://schemas.openxmlformats.org/officeDocument/2006/relationships" xmlns:p="http://schemas.openxmlformats.org/presentationml/2006/main">
+  <p:cSld>
+    <p:spTree>
+      <p:nvGrpSpPr>
+        <p:cNvPr id="1" name=""/>
+        <p:cNvGrpSpPr/>
+        <p:nvPr/>
+      </p:nvGrpSpPr>
+      <p:grpSpPr>
+        <a:xfrm>
+          <a:off x="0" y="0"/>
+          <a:ext cx="0" cy="0"/>
+          <a:chOff x="0" y="0"/>
+          <a:chExt cx="0" cy="0"/>
+        </a:xfrm>
+      </p:grpSpPr>
+      <p:sp>
+        <p:nvSpPr>
+          <p:cNvPr id="2" name="Title 1"/>
+          <p:cNvSpPr>
+            <a:spLocks noGrp="1"/>
+          </p:cNvSpPr>
+          <p:nvPr>
+            <p:ph type="title"/>
+          </p:nvPr>
+        </p:nvSpPr>
+        <p:spPr>
+          <a:xfrm>
+            <a:off x="227780" y="-12960"/>
+            <a:ext cx="10515600" cy="1325563"/>
+          </a:xfrm>
+        </p:spPr>
+        <p:txBody>
+          <a:bodyPr/>
+          <a:lstStyle/>
+          <a:p>
+            <a:r>
+              <a:rPr lang="en-US" dirty="0" smtClean="0"/>
+              <a:t>Program</a:t>
+            </a:r>
+            <a:endParaRPr lang="en-GB" dirty="0"/>
+          </a:p>
+        </p:txBody>
+      </p:sp>
+      <p:sp>
+        <p:nvSpPr>
           <p:cNvPr id="4" name="Rectangle 3"/>
           <p:cNvSpPr/>
           <p:nvPr/>
         </p:nvSpPr>
         <p:spPr>
           <a:xfrm>
-            <a:off x="1512354" y="2188703"/>
+            <a:off x="813854" y="1976880"/>
             <a:ext cx="5250155" cy="369332"/>
           </a:xfrm>
           <a:prstGeom prst="rect">
@@ -6573,7 +7596,7 @@
         </p:nvSpPr>
         <p:spPr>
           <a:xfrm>
-            <a:off x="1512354" y="1109403"/>
+            <a:off x="813854" y="991962"/>
             <a:ext cx="6096000" cy="923330"/>
           </a:xfrm>
           <a:prstGeom prst="rect">
@@ -6692,7 +7715,7 @@
         </p:nvGrpSpPr>
         <p:grpSpPr>
           <a:xfrm>
-            <a:off x="2748077" y="2837199"/>
+            <a:off x="2697277" y="2588916"/>
             <a:ext cx="6335974" cy="3388610"/>
             <a:chOff x="6917191" y="3237650"/>
             <a:chExt cx="6335974" cy="3388610"/>
@@ -7099,6 +8122,236 @@
           </p:txBody>
         </p:sp>
       </p:grpSp>
+      <p:grpSp>
+        <p:nvGrpSpPr>
+          <p:cNvPr id="33" name="Group 32"/>
+          <p:cNvGrpSpPr/>
+          <p:nvPr/>
+        </p:nvGrpSpPr>
+        <p:grpSpPr>
+          <a:xfrm>
+            <a:off x="0" y="6408446"/>
+            <a:ext cx="11982655" cy="439639"/>
+            <a:chOff x="0" y="6408446"/>
+            <a:chExt cx="11982655" cy="439639"/>
+          </a:xfrm>
+        </p:grpSpPr>
+        <p:grpSp>
+          <p:nvGrpSpPr>
+            <p:cNvPr id="34" name="Group 33"/>
+            <p:cNvGrpSpPr/>
+            <p:nvPr/>
+          </p:nvGrpSpPr>
+          <p:grpSpPr>
+            <a:xfrm>
+              <a:off x="0" y="6408446"/>
+              <a:ext cx="11982655" cy="439639"/>
+              <a:chOff x="0" y="6408446"/>
+              <a:chExt cx="11982655" cy="439639"/>
+            </a:xfrm>
+          </p:grpSpPr>
+          <p:sp>
+            <p:nvSpPr>
+              <p:cNvPr id="36" name="Title 1"/>
+              <p:cNvSpPr txBox="1">
+                <a:spLocks/>
+              </p:cNvSpPr>
+              <p:nvPr/>
+            </p:nvSpPr>
+            <p:spPr>
+              <a:xfrm>
+                <a:off x="0" y="6408446"/>
+                <a:ext cx="10922000" cy="439639"/>
+              </a:xfrm>
+              <a:prstGeom prst="rect">
+                <a:avLst/>
+              </a:prstGeom>
+            </p:spPr>
+            <p:txBody>
+              <a:bodyPr vert="horz" lIns="91440" tIns="45720" rIns="91440" bIns="45720" rtlCol="0" anchor="ctr">
+                <a:normAutofit fontScale="77500" lnSpcReduction="20000"/>
+              </a:bodyPr>
+              <a:lstStyle>
+                <a:lvl1pPr algn="l" defTabSz="914400" rtl="0" eaLnBrk="1" latinLnBrk="0" hangingPunct="1">
+                  <a:lnSpc>
+                    <a:spcPct val="90000"/>
+                  </a:lnSpc>
+                  <a:spcBef>
+                    <a:spcPct val="0"/>
+                  </a:spcBef>
+                  <a:buNone/>
+                  <a:defRPr sz="4400" kern="1200">
+                    <a:solidFill>
+                      <a:schemeClr val="tx1"/>
+                    </a:solidFill>
+                    <a:latin typeface="+mj-lt"/>
+                    <a:ea typeface="+mj-ea"/>
+                    <a:cs typeface="+mj-cs"/>
+                  </a:defRPr>
+                </a:lvl1pPr>
+              </a:lstStyle>
+              <a:p>
+                <a:pPr algn="r"/>
+                <a:r>
+                  <a:rPr lang="en-US" sz="2000" b="1" dirty="0" err="1" smtClean="0"/>
+                  <a:t>Gaona</a:t>
+                </a:r>
+                <a:r>
+                  <a:rPr lang="en-US" sz="2000" b="1" dirty="0" smtClean="0"/>
+                  <a:t> </a:t>
+                </a:r>
+                <a:r>
+                  <a:rPr lang="en-US" sz="2000" b="1" dirty="0" err="1" smtClean="0"/>
+                  <a:t>Andr</a:t>
+                </a:r>
+                <a:r>
+                  <a:rPr lang="es-EC" sz="2000" b="1" dirty="0" err="1" smtClean="0"/>
+                  <a:t>és</a:t>
+                </a:r>
+                <a:r>
+                  <a:rPr lang="es-EC" sz="2000" b="1" dirty="0"/>
+                  <a:t> </a:t>
+                </a:r>
+                <a:r>
+                  <a:rPr lang="es-EC" sz="2000" b="1" dirty="0" smtClean="0"/>
+                  <a:t>   </a:t>
+                </a:r>
+              </a:p>
+              <a:p>
+                <a:pPr algn="r"/>
+                <a:r>
+                  <a:rPr lang="es-EC" sz="2000" b="1" dirty="0" smtClean="0"/>
+                  <a:t>Solarte Enrique</a:t>
+                </a:r>
+                <a:endParaRPr lang="en-GB" sz="2000" b="1" dirty="0"/>
+              </a:p>
+            </p:txBody>
+          </p:sp>
+          <p:pic>
+            <p:nvPicPr>
+              <p:cNvPr id="37" name="Picture 14" descr="Image result for Ecuador flag"/>
+              <p:cNvPicPr>
+                <a:picLocks noChangeAspect="1" noChangeArrowheads="1"/>
+              </p:cNvPicPr>
+              <p:nvPr/>
+            </p:nvPicPr>
+            <p:blipFill>
+              <a:blip r:embed="rId3" cstate="print">
+                <a:extLst>
+                  <a:ext uri="{28A0092B-C50C-407E-A947-70E740481C1C}">
+                    <a14:useLocalDpi xmlns:a14="http://schemas.microsoft.com/office/drawing/2010/main" val="0"/>
+                  </a:ext>
+                </a:extLst>
+              </a:blip>
+              <a:srcRect/>
+              <a:stretch>
+                <a:fillRect/>
+              </a:stretch>
+            </p:blipFill>
+            <p:spPr bwMode="auto">
+              <a:xfrm>
+                <a:off x="10935615" y="6430580"/>
+                <a:ext cx="496970" cy="331314"/>
+              </a:xfrm>
+              <a:prstGeom prst="rect">
+                <a:avLst/>
+              </a:prstGeom>
+              <a:noFill/>
+              <a:extLst>
+                <a:ext uri="{909E8E84-426E-40DD-AFC4-6F175D3DCCD1}">
+                  <a14:hiddenFill xmlns:a14="http://schemas.microsoft.com/office/drawing/2010/main">
+                    <a:solidFill>
+                      <a:srgbClr val="FFFFFF"/>
+                    </a:solidFill>
+                  </a14:hiddenFill>
+                </a:ext>
+              </a:extLst>
+            </p:spPr>
+          </p:pic>
+          <p:pic>
+            <p:nvPicPr>
+              <p:cNvPr id="38" name="Picture 16" descr="Image result for Taiwan"/>
+              <p:cNvPicPr>
+                <a:picLocks noChangeAspect="1" noChangeArrowheads="1"/>
+              </p:cNvPicPr>
+              <p:nvPr/>
+            </p:nvPicPr>
+            <p:blipFill>
+              <a:blip r:embed="rId4" cstate="print">
+                <a:extLst>
+                  <a:ext uri="{28A0092B-C50C-407E-A947-70E740481C1C}">
+                    <a14:useLocalDpi xmlns:a14="http://schemas.microsoft.com/office/drawing/2010/main" val="0"/>
+                  </a:ext>
+                </a:extLst>
+              </a:blip>
+              <a:srcRect/>
+              <a:stretch>
+                <a:fillRect/>
+              </a:stretch>
+            </p:blipFill>
+            <p:spPr bwMode="auto">
+              <a:xfrm>
+                <a:off x="11486304" y="6430580"/>
+                <a:ext cx="496351" cy="331314"/>
+              </a:xfrm>
+              <a:prstGeom prst="rect">
+                <a:avLst/>
+              </a:prstGeom>
+              <a:noFill/>
+              <a:extLst>
+                <a:ext uri="{909E8E84-426E-40DD-AFC4-6F175D3DCCD1}">
+                  <a14:hiddenFill xmlns:a14="http://schemas.microsoft.com/office/drawing/2010/main">
+                    <a:solidFill>
+                      <a:srgbClr val="FFFFFF"/>
+                    </a:solidFill>
+                  </a14:hiddenFill>
+                </a:ext>
+              </a:extLst>
+            </p:spPr>
+          </p:pic>
+        </p:grpSp>
+        <p:pic>
+          <p:nvPicPr>
+            <p:cNvPr id="35" name="Picture 2" descr="Image result for ITRI"/>
+            <p:cNvPicPr>
+              <a:picLocks noChangeAspect="1" noChangeArrowheads="1"/>
+            </p:cNvPicPr>
+            <p:nvPr/>
+          </p:nvPicPr>
+          <p:blipFill>
+            <a:blip r:embed="rId5" cstate="print">
+              <a:extLst>
+                <a:ext uri="{28A0092B-C50C-407E-A947-70E740481C1C}">
+                  <a14:useLocalDpi xmlns:a14="http://schemas.microsoft.com/office/drawing/2010/main" val="0"/>
+                </a:ext>
+              </a:extLst>
+            </a:blip>
+            <a:srcRect/>
+            <a:stretch>
+              <a:fillRect/>
+            </a:stretch>
+          </p:blipFill>
+          <p:spPr bwMode="auto">
+            <a:xfrm>
+              <a:off x="96547" y="6436074"/>
+              <a:ext cx="1143820" cy="363255"/>
+            </a:xfrm>
+            <a:prstGeom prst="rect">
+              <a:avLst/>
+            </a:prstGeom>
+            <a:noFill/>
+            <a:extLst>
+              <a:ext uri="{909E8E84-426E-40DD-AFC4-6F175D3DCCD1}">
+                <a14:hiddenFill xmlns:a14="http://schemas.microsoft.com/office/drawing/2010/main">
+                  <a:solidFill>
+                    <a:srgbClr val="FFFFFF"/>
+                  </a:solidFill>
+                </a14:hiddenFill>
+              </a:ext>
+            </a:extLst>
+          </p:spPr>
+        </p:pic>
+      </p:grpSp>
     </p:spTree>
     <p:extLst>
       <p:ext uri="{BB962C8B-B14F-4D97-AF65-F5344CB8AC3E}">
@@ -7109,6 +8362,679 @@
   <p:clrMapOvr>
     <a:masterClrMapping/>
   </p:clrMapOvr>
+  <p:timing>
+    <p:tnLst>
+      <p:par>
+        <p:cTn id="1" dur="indefinite" restart="never" nodeType="tmRoot"/>
+      </p:par>
+    </p:tnLst>
+  </p:timing>
+</p:sld>
+</file>
+
+<file path=ppt/slides/slide6.xml><?xml version="1.0" encoding="utf-8"?>
+<p:sld xmlns:a="http://schemas.openxmlformats.org/drawingml/2006/main" xmlns:r="http://schemas.openxmlformats.org/officeDocument/2006/relationships" xmlns:p="http://schemas.openxmlformats.org/presentationml/2006/main">
+  <p:cSld>
+    <p:spTree>
+      <p:nvGrpSpPr>
+        <p:cNvPr id="1" name=""/>
+        <p:cNvGrpSpPr/>
+        <p:nvPr/>
+      </p:nvGrpSpPr>
+      <p:grpSpPr>
+        <a:xfrm>
+          <a:off x="0" y="0"/>
+          <a:ext cx="0" cy="0"/>
+          <a:chOff x="0" y="0"/>
+          <a:chExt cx="0" cy="0"/>
+        </a:xfrm>
+      </p:grpSpPr>
+      <p:sp>
+        <p:nvSpPr>
+          <p:cNvPr id="3" name="Content Placeholder 2"/>
+          <p:cNvSpPr>
+            <a:spLocks noGrp="1"/>
+          </p:cNvSpPr>
+          <p:nvPr>
+            <p:ph idx="1"/>
+          </p:nvPr>
+        </p:nvSpPr>
+        <p:spPr/>
+        <p:txBody>
+          <a:bodyPr/>
+          <a:lstStyle/>
+          <a:p>
+            <a:endParaRPr lang="en-GB"/>
+          </a:p>
+        </p:txBody>
+      </p:sp>
+      <p:pic>
+        <p:nvPicPr>
+          <p:cNvPr id="15" name="Picture 14"/>
+          <p:cNvPicPr>
+            <a:picLocks noChangeAspect="1"/>
+          </p:cNvPicPr>
+          <p:nvPr/>
+        </p:nvPicPr>
+        <p:blipFill rotWithShape="1">
+          <a:blip r:embed="rId2"/>
+          <a:srcRect t="2839" b="4815"/>
+          <a:stretch/>
+        </p:blipFill>
+        <p:spPr>
+          <a:xfrm>
+            <a:off x="1149382" y="1107817"/>
+            <a:ext cx="10204418" cy="5300629"/>
+          </a:xfrm>
+          <a:prstGeom prst="rect">
+            <a:avLst/>
+          </a:prstGeom>
+        </p:spPr>
+      </p:pic>
+      <p:sp>
+        <p:nvSpPr>
+          <p:cNvPr id="16" name="Title 1"/>
+          <p:cNvSpPr txBox="1">
+            <a:spLocks/>
+          </p:cNvSpPr>
+          <p:nvPr/>
+        </p:nvSpPr>
+        <p:spPr>
+          <a:xfrm>
+            <a:off x="329380" y="-105966"/>
+            <a:ext cx="10515600" cy="1325563"/>
+          </a:xfrm>
+          <a:prstGeom prst="rect">
+            <a:avLst/>
+          </a:prstGeom>
+        </p:spPr>
+        <p:txBody>
+          <a:bodyPr vert="horz" lIns="91440" tIns="45720" rIns="91440" bIns="45720" rtlCol="0" anchor="ctr">
+            <a:normAutofit/>
+          </a:bodyPr>
+          <a:lstStyle>
+            <a:lvl1pPr algn="l" defTabSz="914400" rtl="0" eaLnBrk="1" latinLnBrk="0" hangingPunct="1">
+              <a:lnSpc>
+                <a:spcPct val="90000"/>
+              </a:lnSpc>
+              <a:spcBef>
+                <a:spcPct val="0"/>
+              </a:spcBef>
+              <a:buNone/>
+              <a:defRPr sz="4400" kern="1200">
+                <a:solidFill>
+                  <a:schemeClr val="tx1"/>
+                </a:solidFill>
+                <a:latin typeface="+mj-lt"/>
+                <a:ea typeface="+mj-ea"/>
+                <a:cs typeface="+mj-cs"/>
+              </a:defRPr>
+            </a:lvl1pPr>
+          </a:lstStyle>
+          <a:p>
+            <a:r>
+              <a:rPr lang="en-US" dirty="0" smtClean="0"/>
+              <a:t>Interface Program</a:t>
+            </a:r>
+            <a:endParaRPr lang="en-GB" dirty="0"/>
+          </a:p>
+        </p:txBody>
+      </p:sp>
+      <p:grpSp>
+        <p:nvGrpSpPr>
+          <p:cNvPr id="23" name="Group 22"/>
+          <p:cNvGrpSpPr/>
+          <p:nvPr/>
+        </p:nvGrpSpPr>
+        <p:grpSpPr>
+          <a:xfrm>
+            <a:off x="0" y="6408446"/>
+            <a:ext cx="11982655" cy="439639"/>
+            <a:chOff x="0" y="6408446"/>
+            <a:chExt cx="11982655" cy="439639"/>
+          </a:xfrm>
+        </p:grpSpPr>
+        <p:grpSp>
+          <p:nvGrpSpPr>
+            <p:cNvPr id="19" name="Group 18"/>
+            <p:cNvGrpSpPr/>
+            <p:nvPr/>
+          </p:nvGrpSpPr>
+          <p:grpSpPr>
+            <a:xfrm>
+              <a:off x="0" y="6408446"/>
+              <a:ext cx="11982655" cy="439639"/>
+              <a:chOff x="0" y="6408446"/>
+              <a:chExt cx="11982655" cy="439639"/>
+            </a:xfrm>
+          </p:grpSpPr>
+          <p:sp>
+            <p:nvSpPr>
+              <p:cNvPr id="20" name="Title 1"/>
+              <p:cNvSpPr txBox="1">
+                <a:spLocks/>
+              </p:cNvSpPr>
+              <p:nvPr/>
+            </p:nvSpPr>
+            <p:spPr>
+              <a:xfrm>
+                <a:off x="0" y="6408446"/>
+                <a:ext cx="10922000" cy="439639"/>
+              </a:xfrm>
+              <a:prstGeom prst="rect">
+                <a:avLst/>
+              </a:prstGeom>
+            </p:spPr>
+            <p:txBody>
+              <a:bodyPr vert="horz" lIns="91440" tIns="45720" rIns="91440" bIns="45720" rtlCol="0" anchor="ctr">
+                <a:normAutofit fontScale="77500" lnSpcReduction="20000"/>
+              </a:bodyPr>
+              <a:lstStyle>
+                <a:lvl1pPr algn="l" defTabSz="914400" rtl="0" eaLnBrk="1" latinLnBrk="0" hangingPunct="1">
+                  <a:lnSpc>
+                    <a:spcPct val="90000"/>
+                  </a:lnSpc>
+                  <a:spcBef>
+                    <a:spcPct val="0"/>
+                  </a:spcBef>
+                  <a:buNone/>
+                  <a:defRPr sz="4400" kern="1200">
+                    <a:solidFill>
+                      <a:schemeClr val="tx1"/>
+                    </a:solidFill>
+                    <a:latin typeface="+mj-lt"/>
+                    <a:ea typeface="+mj-ea"/>
+                    <a:cs typeface="+mj-cs"/>
+                  </a:defRPr>
+                </a:lvl1pPr>
+              </a:lstStyle>
+              <a:p>
+                <a:pPr algn="r"/>
+                <a:r>
+                  <a:rPr lang="en-US" sz="2000" b="1" dirty="0" err="1" smtClean="0"/>
+                  <a:t>Gaona</a:t>
+                </a:r>
+                <a:r>
+                  <a:rPr lang="en-US" sz="2000" b="1" dirty="0" smtClean="0"/>
+                  <a:t> </a:t>
+                </a:r>
+                <a:r>
+                  <a:rPr lang="en-US" sz="2000" b="1" dirty="0" err="1" smtClean="0"/>
+                  <a:t>Andr</a:t>
+                </a:r>
+                <a:r>
+                  <a:rPr lang="es-EC" sz="2000" b="1" dirty="0" err="1" smtClean="0"/>
+                  <a:t>és</a:t>
+                </a:r>
+                <a:r>
+                  <a:rPr lang="es-EC" sz="2000" b="1" dirty="0"/>
+                  <a:t> </a:t>
+                </a:r>
+                <a:r>
+                  <a:rPr lang="es-EC" sz="2000" b="1" dirty="0" smtClean="0"/>
+                  <a:t>   </a:t>
+                </a:r>
+              </a:p>
+              <a:p>
+                <a:pPr algn="r"/>
+                <a:r>
+                  <a:rPr lang="es-EC" sz="2000" b="1" dirty="0" smtClean="0"/>
+                  <a:t>Solarte Enrique</a:t>
+                </a:r>
+                <a:endParaRPr lang="en-GB" sz="2000" b="1" dirty="0"/>
+              </a:p>
+            </p:txBody>
+          </p:sp>
+          <p:pic>
+            <p:nvPicPr>
+              <p:cNvPr id="21" name="Picture 14" descr="Image result for Ecuador flag"/>
+              <p:cNvPicPr>
+                <a:picLocks noChangeAspect="1" noChangeArrowheads="1"/>
+              </p:cNvPicPr>
+              <p:nvPr/>
+            </p:nvPicPr>
+            <p:blipFill>
+              <a:blip r:embed="rId3" cstate="print">
+                <a:extLst>
+                  <a:ext uri="{28A0092B-C50C-407E-A947-70E740481C1C}">
+                    <a14:useLocalDpi xmlns:a14="http://schemas.microsoft.com/office/drawing/2010/main" val="0"/>
+                  </a:ext>
+                </a:extLst>
+              </a:blip>
+              <a:srcRect/>
+              <a:stretch>
+                <a:fillRect/>
+              </a:stretch>
+            </p:blipFill>
+            <p:spPr bwMode="auto">
+              <a:xfrm>
+                <a:off x="10935615" y="6430580"/>
+                <a:ext cx="496970" cy="331314"/>
+              </a:xfrm>
+              <a:prstGeom prst="rect">
+                <a:avLst/>
+              </a:prstGeom>
+              <a:noFill/>
+              <a:extLst>
+                <a:ext uri="{909E8E84-426E-40DD-AFC4-6F175D3DCCD1}">
+                  <a14:hiddenFill xmlns:a14="http://schemas.microsoft.com/office/drawing/2010/main">
+                    <a:solidFill>
+                      <a:srgbClr val="FFFFFF"/>
+                    </a:solidFill>
+                  </a14:hiddenFill>
+                </a:ext>
+              </a:extLst>
+            </p:spPr>
+          </p:pic>
+          <p:pic>
+            <p:nvPicPr>
+              <p:cNvPr id="22" name="Picture 16" descr="Image result for Taiwan"/>
+              <p:cNvPicPr>
+                <a:picLocks noChangeAspect="1" noChangeArrowheads="1"/>
+              </p:cNvPicPr>
+              <p:nvPr/>
+            </p:nvPicPr>
+            <p:blipFill>
+              <a:blip r:embed="rId4" cstate="print">
+                <a:extLst>
+                  <a:ext uri="{28A0092B-C50C-407E-A947-70E740481C1C}">
+                    <a14:useLocalDpi xmlns:a14="http://schemas.microsoft.com/office/drawing/2010/main" val="0"/>
+                  </a:ext>
+                </a:extLst>
+              </a:blip>
+              <a:srcRect/>
+              <a:stretch>
+                <a:fillRect/>
+              </a:stretch>
+            </p:blipFill>
+            <p:spPr bwMode="auto">
+              <a:xfrm>
+                <a:off x="11486304" y="6430580"/>
+                <a:ext cx="496351" cy="331314"/>
+              </a:xfrm>
+              <a:prstGeom prst="rect">
+                <a:avLst/>
+              </a:prstGeom>
+              <a:noFill/>
+              <a:extLst>
+                <a:ext uri="{909E8E84-426E-40DD-AFC4-6F175D3DCCD1}">
+                  <a14:hiddenFill xmlns:a14="http://schemas.microsoft.com/office/drawing/2010/main">
+                    <a:solidFill>
+                      <a:srgbClr val="FFFFFF"/>
+                    </a:solidFill>
+                  </a14:hiddenFill>
+                </a:ext>
+              </a:extLst>
+            </p:spPr>
+          </p:pic>
+        </p:grpSp>
+        <p:pic>
+          <p:nvPicPr>
+            <p:cNvPr id="3074" name="Picture 2" descr="Image result for ITRI"/>
+            <p:cNvPicPr>
+              <a:picLocks noChangeAspect="1" noChangeArrowheads="1"/>
+            </p:cNvPicPr>
+            <p:nvPr/>
+          </p:nvPicPr>
+          <p:blipFill>
+            <a:blip r:embed="rId5" cstate="print">
+              <a:extLst>
+                <a:ext uri="{28A0092B-C50C-407E-A947-70E740481C1C}">
+                  <a14:useLocalDpi xmlns:a14="http://schemas.microsoft.com/office/drawing/2010/main" val="0"/>
+                </a:ext>
+              </a:extLst>
+            </a:blip>
+            <a:srcRect/>
+            <a:stretch>
+              <a:fillRect/>
+            </a:stretch>
+          </p:blipFill>
+          <p:spPr bwMode="auto">
+            <a:xfrm>
+              <a:off x="96547" y="6436074"/>
+              <a:ext cx="1143820" cy="363255"/>
+            </a:xfrm>
+            <a:prstGeom prst="rect">
+              <a:avLst/>
+            </a:prstGeom>
+            <a:noFill/>
+            <a:extLst>
+              <a:ext uri="{909E8E84-426E-40DD-AFC4-6F175D3DCCD1}">
+                <a14:hiddenFill xmlns:a14="http://schemas.microsoft.com/office/drawing/2010/main">
+                  <a:solidFill>
+                    <a:srgbClr val="FFFFFF"/>
+                  </a:solidFill>
+                </a14:hiddenFill>
+              </a:ext>
+            </a:extLst>
+          </p:spPr>
+        </p:pic>
+      </p:grpSp>
+    </p:spTree>
+    <p:extLst>
+      <p:ext uri="{BB962C8B-B14F-4D97-AF65-F5344CB8AC3E}">
+        <p14:creationId xmlns:p14="http://schemas.microsoft.com/office/powerpoint/2010/main" val="4236569221"/>
+      </p:ext>
+    </p:extLst>
+  </p:cSld>
+  <p:clrMapOvr>
+    <a:masterClrMapping/>
+  </p:clrMapOvr>
+  <p:timing>
+    <p:tnLst>
+      <p:par>
+        <p:cTn id="1" dur="indefinite" restart="never" nodeType="tmRoot"/>
+      </p:par>
+    </p:tnLst>
+  </p:timing>
+</p:sld>
+</file>
+
+<file path=ppt/slides/slide7.xml><?xml version="1.0" encoding="utf-8"?>
+<p:sld xmlns:a="http://schemas.openxmlformats.org/drawingml/2006/main" xmlns:r="http://schemas.openxmlformats.org/officeDocument/2006/relationships" xmlns:p="http://schemas.openxmlformats.org/presentationml/2006/main">
+  <p:cSld>
+    <p:spTree>
+      <p:nvGrpSpPr>
+        <p:cNvPr id="1" name=""/>
+        <p:cNvGrpSpPr/>
+        <p:nvPr/>
+      </p:nvGrpSpPr>
+      <p:grpSpPr>
+        <a:xfrm>
+          <a:off x="0" y="0"/>
+          <a:ext cx="0" cy="0"/>
+          <a:chOff x="0" y="0"/>
+          <a:chExt cx="0" cy="0"/>
+        </a:xfrm>
+      </p:grpSpPr>
+      <p:grpSp>
+        <p:nvGrpSpPr>
+          <p:cNvPr id="23" name="Group 22"/>
+          <p:cNvGrpSpPr/>
+          <p:nvPr/>
+        </p:nvGrpSpPr>
+        <p:grpSpPr>
+          <a:xfrm>
+            <a:off x="0" y="6408446"/>
+            <a:ext cx="11982655" cy="439639"/>
+            <a:chOff x="0" y="6408446"/>
+            <a:chExt cx="11982655" cy="439639"/>
+          </a:xfrm>
+        </p:grpSpPr>
+        <p:grpSp>
+          <p:nvGrpSpPr>
+            <p:cNvPr id="19" name="Group 18"/>
+            <p:cNvGrpSpPr/>
+            <p:nvPr/>
+          </p:nvGrpSpPr>
+          <p:grpSpPr>
+            <a:xfrm>
+              <a:off x="0" y="6408446"/>
+              <a:ext cx="11982655" cy="439639"/>
+              <a:chOff x="0" y="6408446"/>
+              <a:chExt cx="11982655" cy="439639"/>
+            </a:xfrm>
+          </p:grpSpPr>
+          <p:sp>
+            <p:nvSpPr>
+              <p:cNvPr id="20" name="Title 1"/>
+              <p:cNvSpPr txBox="1">
+                <a:spLocks/>
+              </p:cNvSpPr>
+              <p:nvPr/>
+            </p:nvSpPr>
+            <p:spPr>
+              <a:xfrm>
+                <a:off x="0" y="6408446"/>
+                <a:ext cx="10922000" cy="439639"/>
+              </a:xfrm>
+              <a:prstGeom prst="rect">
+                <a:avLst/>
+              </a:prstGeom>
+            </p:spPr>
+            <p:txBody>
+              <a:bodyPr vert="horz" lIns="91440" tIns="45720" rIns="91440" bIns="45720" rtlCol="0" anchor="ctr">
+                <a:normAutofit fontScale="77500" lnSpcReduction="20000"/>
+              </a:bodyPr>
+              <a:lstStyle>
+                <a:lvl1pPr algn="l" defTabSz="914400" rtl="0" eaLnBrk="1" latinLnBrk="0" hangingPunct="1">
+                  <a:lnSpc>
+                    <a:spcPct val="90000"/>
+                  </a:lnSpc>
+                  <a:spcBef>
+                    <a:spcPct val="0"/>
+                  </a:spcBef>
+                  <a:buNone/>
+                  <a:defRPr sz="4400" kern="1200">
+                    <a:solidFill>
+                      <a:schemeClr val="tx1"/>
+                    </a:solidFill>
+                    <a:latin typeface="+mj-lt"/>
+                    <a:ea typeface="+mj-ea"/>
+                    <a:cs typeface="+mj-cs"/>
+                  </a:defRPr>
+                </a:lvl1pPr>
+              </a:lstStyle>
+              <a:p>
+                <a:pPr algn="r"/>
+                <a:r>
+                  <a:rPr lang="en-US" sz="2000" b="1" dirty="0" err="1" smtClean="0"/>
+                  <a:t>Gaona</a:t>
+                </a:r>
+                <a:r>
+                  <a:rPr lang="en-US" sz="2000" b="1" dirty="0" smtClean="0"/>
+                  <a:t> </a:t>
+                </a:r>
+                <a:r>
+                  <a:rPr lang="en-US" sz="2000" b="1" dirty="0" err="1" smtClean="0"/>
+                  <a:t>Andr</a:t>
+                </a:r>
+                <a:r>
+                  <a:rPr lang="es-EC" sz="2000" b="1" dirty="0" err="1" smtClean="0"/>
+                  <a:t>és</a:t>
+                </a:r>
+                <a:r>
+                  <a:rPr lang="es-EC" sz="2000" b="1" dirty="0"/>
+                  <a:t> </a:t>
+                </a:r>
+                <a:r>
+                  <a:rPr lang="es-EC" sz="2000" b="1" dirty="0" smtClean="0"/>
+                  <a:t>   </a:t>
+                </a:r>
+              </a:p>
+              <a:p>
+                <a:pPr algn="r"/>
+                <a:r>
+                  <a:rPr lang="es-EC" sz="2000" b="1" dirty="0" smtClean="0"/>
+                  <a:t>Solarte Enrique</a:t>
+                </a:r>
+                <a:endParaRPr lang="en-GB" sz="2000" b="1" dirty="0"/>
+              </a:p>
+            </p:txBody>
+          </p:sp>
+          <p:pic>
+            <p:nvPicPr>
+              <p:cNvPr id="21" name="Picture 14" descr="Image result for Ecuador flag"/>
+              <p:cNvPicPr>
+                <a:picLocks noChangeAspect="1" noChangeArrowheads="1"/>
+              </p:cNvPicPr>
+              <p:nvPr/>
+            </p:nvPicPr>
+            <p:blipFill>
+              <a:blip r:embed="rId2" cstate="print">
+                <a:extLst>
+                  <a:ext uri="{28A0092B-C50C-407E-A947-70E740481C1C}">
+                    <a14:useLocalDpi xmlns:a14="http://schemas.microsoft.com/office/drawing/2010/main" val="0"/>
+                  </a:ext>
+                </a:extLst>
+              </a:blip>
+              <a:srcRect/>
+              <a:stretch>
+                <a:fillRect/>
+              </a:stretch>
+            </p:blipFill>
+            <p:spPr bwMode="auto">
+              <a:xfrm>
+                <a:off x="10935615" y="6430580"/>
+                <a:ext cx="496970" cy="331314"/>
+              </a:xfrm>
+              <a:prstGeom prst="rect">
+                <a:avLst/>
+              </a:prstGeom>
+              <a:noFill/>
+              <a:extLst>
+                <a:ext uri="{909E8E84-426E-40DD-AFC4-6F175D3DCCD1}">
+                  <a14:hiddenFill xmlns:a14="http://schemas.microsoft.com/office/drawing/2010/main">
+                    <a:solidFill>
+                      <a:srgbClr val="FFFFFF"/>
+                    </a:solidFill>
+                  </a14:hiddenFill>
+                </a:ext>
+              </a:extLst>
+            </p:spPr>
+          </p:pic>
+          <p:pic>
+            <p:nvPicPr>
+              <p:cNvPr id="22" name="Picture 16" descr="Image result for Taiwan"/>
+              <p:cNvPicPr>
+                <a:picLocks noChangeAspect="1" noChangeArrowheads="1"/>
+              </p:cNvPicPr>
+              <p:nvPr/>
+            </p:nvPicPr>
+            <p:blipFill>
+              <a:blip r:embed="rId3" cstate="print">
+                <a:extLst>
+                  <a:ext uri="{28A0092B-C50C-407E-A947-70E740481C1C}">
+                    <a14:useLocalDpi xmlns:a14="http://schemas.microsoft.com/office/drawing/2010/main" val="0"/>
+                  </a:ext>
+                </a:extLst>
+              </a:blip>
+              <a:srcRect/>
+              <a:stretch>
+                <a:fillRect/>
+              </a:stretch>
+            </p:blipFill>
+            <p:spPr bwMode="auto">
+              <a:xfrm>
+                <a:off x="11486304" y="6430580"/>
+                <a:ext cx="496351" cy="331314"/>
+              </a:xfrm>
+              <a:prstGeom prst="rect">
+                <a:avLst/>
+              </a:prstGeom>
+              <a:noFill/>
+              <a:extLst>
+                <a:ext uri="{909E8E84-426E-40DD-AFC4-6F175D3DCCD1}">
+                  <a14:hiddenFill xmlns:a14="http://schemas.microsoft.com/office/drawing/2010/main">
+                    <a:solidFill>
+                      <a:srgbClr val="FFFFFF"/>
+                    </a:solidFill>
+                  </a14:hiddenFill>
+                </a:ext>
+              </a:extLst>
+            </p:spPr>
+          </p:pic>
+        </p:grpSp>
+        <p:pic>
+          <p:nvPicPr>
+            <p:cNvPr id="3074" name="Picture 2" descr="Image result for ITRI"/>
+            <p:cNvPicPr>
+              <a:picLocks noChangeAspect="1" noChangeArrowheads="1"/>
+            </p:cNvPicPr>
+            <p:nvPr/>
+          </p:nvPicPr>
+          <p:blipFill>
+            <a:blip r:embed="rId4" cstate="print">
+              <a:extLst>
+                <a:ext uri="{28A0092B-C50C-407E-A947-70E740481C1C}">
+                  <a14:useLocalDpi xmlns:a14="http://schemas.microsoft.com/office/drawing/2010/main" val="0"/>
+                </a:ext>
+              </a:extLst>
+            </a:blip>
+            <a:srcRect/>
+            <a:stretch>
+              <a:fillRect/>
+            </a:stretch>
+          </p:blipFill>
+          <p:spPr bwMode="auto">
+            <a:xfrm>
+              <a:off x="96547" y="6436074"/>
+              <a:ext cx="1143820" cy="363255"/>
+            </a:xfrm>
+            <a:prstGeom prst="rect">
+              <a:avLst/>
+            </a:prstGeom>
+            <a:noFill/>
+            <a:extLst>
+              <a:ext uri="{909E8E84-426E-40DD-AFC4-6F175D3DCCD1}">
+                <a14:hiddenFill xmlns:a14="http://schemas.microsoft.com/office/drawing/2010/main">
+                  <a:solidFill>
+                    <a:srgbClr val="FFFFFF"/>
+                  </a:solidFill>
+                </a14:hiddenFill>
+              </a:ext>
+            </a:extLst>
+          </p:spPr>
+        </p:pic>
+      </p:grpSp>
+      <p:pic>
+        <p:nvPicPr>
+          <p:cNvPr id="6146" name="Picture 2" descr="Image result for Thanks"/>
+          <p:cNvPicPr>
+            <a:picLocks noChangeAspect="1" noChangeArrowheads="1"/>
+          </p:cNvPicPr>
+          <p:nvPr/>
+        </p:nvPicPr>
+        <p:blipFill>
+          <a:blip r:embed="rId5">
+            <a:extLst>
+              <a:ext uri="{28A0092B-C50C-407E-A947-70E740481C1C}">
+                <a14:useLocalDpi xmlns:a14="http://schemas.microsoft.com/office/drawing/2010/main" val="0"/>
+              </a:ext>
+            </a:extLst>
+          </a:blip>
+          <a:srcRect/>
+          <a:stretch>
+            <a:fillRect/>
+          </a:stretch>
+        </p:blipFill>
+        <p:spPr bwMode="auto">
+          <a:xfrm>
+            <a:off x="1240367" y="361781"/>
+            <a:ext cx="9149790" cy="5727770"/>
+          </a:xfrm>
+          <a:prstGeom prst="rect">
+            <a:avLst/>
+          </a:prstGeom>
+          <a:noFill/>
+          <a:extLst>
+            <a:ext uri="{909E8E84-426E-40DD-AFC4-6F175D3DCCD1}">
+              <a14:hiddenFill xmlns:a14="http://schemas.microsoft.com/office/drawing/2010/main">
+                <a:solidFill>
+                  <a:srgbClr val="FFFFFF"/>
+                </a:solidFill>
+              </a14:hiddenFill>
+            </a:ext>
+          </a:extLst>
+        </p:spPr>
+      </p:pic>
+    </p:spTree>
+    <p:extLst>
+      <p:ext uri="{BB962C8B-B14F-4D97-AF65-F5344CB8AC3E}">
+        <p14:creationId xmlns:p14="http://schemas.microsoft.com/office/powerpoint/2010/main" val="1200725971"/>
+      </p:ext>
+    </p:extLst>
+  </p:cSld>
+  <p:clrMapOvr>
+    <a:masterClrMapping/>
+  </p:clrMapOvr>
+  <p:timing>
+    <p:tnLst>
+      <p:par>
+        <p:cTn id="1" dur="indefinite" restart="never" nodeType="tmRoot"/>
+      </p:par>
+    </p:tnLst>
+  </p:timing>
 </p:sld>
 </file>
 
